--- a/doc/Introduction about the example.pptx
+++ b/doc/Introduction about the example.pptx
@@ -4,10 +4,20 @@
   <p:sldMasterIdLst>
     <p:sldMasterId id="2147483648" r:id="rId1"/>
   </p:sldMasterIdLst>
+  <p:notesMasterIdLst>
+    <p:notesMasterId r:id="rId12"/>
+  </p:notesMasterIdLst>
   <p:sldIdLst>
     <p:sldId id="256" r:id="rId2"/>
     <p:sldId id="257" r:id="rId3"/>
     <p:sldId id="258" r:id="rId4"/>
+    <p:sldId id="259" r:id="rId5"/>
+    <p:sldId id="260" r:id="rId6"/>
+    <p:sldId id="261" r:id="rId7"/>
+    <p:sldId id="262" r:id="rId8"/>
+    <p:sldId id="263" r:id="rId9"/>
+    <p:sldId id="264" r:id="rId10"/>
+    <p:sldId id="266" r:id="rId11"/>
   </p:sldIdLst>
   <p:sldSz cx="12192000" cy="6858000"/>
   <p:notesSz cx="6858000" cy="9144000"/>
@@ -106,7 +116,614 @@
       </a:defRPr>
     </a:lvl9pPr>
   </p:defaultTextStyle>
+  <p:extLst>
+    <p:ext uri="{EFAFB233-063F-42B5-8137-9DF3F51BA10A}">
+      <p15:sldGuideLst xmlns:p15="http://schemas.microsoft.com/office/powerpoint/2012/main"/>
+    </p:ext>
+  </p:extLst>
 </p:presentation>
+</file>
+
+<file path=ppt/notesMasters/notesMaster1.xml><?xml version="1.0" encoding="utf-8"?>
+<p:notesMaster xmlns:a="http://schemas.openxmlformats.org/drawingml/2006/main" xmlns:r="http://schemas.openxmlformats.org/officeDocument/2006/relationships" xmlns:p="http://schemas.openxmlformats.org/presentationml/2006/main">
+  <p:cSld>
+    <p:bg>
+      <p:bgRef idx="1001">
+        <a:schemeClr val="bg1"/>
+      </p:bgRef>
+    </p:bg>
+    <p:spTree>
+      <p:nvGrpSpPr>
+        <p:cNvPr id="1" name=""/>
+        <p:cNvGrpSpPr/>
+        <p:nvPr/>
+      </p:nvGrpSpPr>
+      <p:grpSpPr>
+        <a:xfrm>
+          <a:off x="0" y="0"/>
+          <a:ext cx="0" cy="0"/>
+          <a:chOff x="0" y="0"/>
+          <a:chExt cx="0" cy="0"/>
+        </a:xfrm>
+      </p:grpSpPr>
+      <p:sp>
+        <p:nvSpPr>
+          <p:cNvPr id="2" name="Header Placeholder 1"/>
+          <p:cNvSpPr>
+            <a:spLocks noGrp="1"/>
+          </p:cNvSpPr>
+          <p:nvPr>
+            <p:ph type="hdr" sz="quarter"/>
+          </p:nvPr>
+        </p:nvSpPr>
+        <p:spPr>
+          <a:xfrm>
+            <a:off x="0" y="0"/>
+            <a:ext cx="2971800" cy="458788"/>
+          </a:xfrm>
+          <a:prstGeom prst="rect">
+            <a:avLst/>
+          </a:prstGeom>
+        </p:spPr>
+        <p:txBody>
+          <a:bodyPr vert="horz" lIns="91440" tIns="45720" rIns="91440" bIns="45720" rtlCol="0"/>
+          <a:lstStyle>
+            <a:lvl1pPr algn="l">
+              <a:defRPr sz="1200"/>
+            </a:lvl1pPr>
+          </a:lstStyle>
+          <a:p>
+            <a:endParaRPr lang="en-US"/>
+          </a:p>
+        </p:txBody>
+      </p:sp>
+      <p:sp>
+        <p:nvSpPr>
+          <p:cNvPr id="3" name="Date Placeholder 2"/>
+          <p:cNvSpPr>
+            <a:spLocks noGrp="1"/>
+          </p:cNvSpPr>
+          <p:nvPr>
+            <p:ph type="dt" idx="1"/>
+          </p:nvPr>
+        </p:nvSpPr>
+        <p:spPr>
+          <a:xfrm>
+            <a:off x="3884613" y="0"/>
+            <a:ext cx="2971800" cy="458788"/>
+          </a:xfrm>
+          <a:prstGeom prst="rect">
+            <a:avLst/>
+          </a:prstGeom>
+        </p:spPr>
+        <p:txBody>
+          <a:bodyPr vert="horz" lIns="91440" tIns="45720" rIns="91440" bIns="45720" rtlCol="0"/>
+          <a:lstStyle>
+            <a:lvl1pPr algn="r">
+              <a:defRPr sz="1200"/>
+            </a:lvl1pPr>
+          </a:lstStyle>
+          <a:p>
+            <a:fld id="{E4F2E360-E77E-2D4D-BEF8-7A331A32D95C}" type="datetimeFigureOut">
+              <a:rPr lang="en-US" smtClean="0"/>
+              <a:t>8/10/18</a:t>
+            </a:fld>
+            <a:endParaRPr lang="en-US"/>
+          </a:p>
+        </p:txBody>
+      </p:sp>
+      <p:sp>
+        <p:nvSpPr>
+          <p:cNvPr id="4" name="Slide Image Placeholder 3"/>
+          <p:cNvSpPr>
+            <a:spLocks noGrp="1" noRot="1" noChangeAspect="1"/>
+          </p:cNvSpPr>
+          <p:nvPr>
+            <p:ph type="sldImg" idx="2"/>
+          </p:nvPr>
+        </p:nvSpPr>
+        <p:spPr>
+          <a:xfrm>
+            <a:off x="685800" y="1143000"/>
+            <a:ext cx="5486400" cy="3086100"/>
+          </a:xfrm>
+          <a:prstGeom prst="rect">
+            <a:avLst/>
+          </a:prstGeom>
+          <a:noFill/>
+          <a:ln w="12700">
+            <a:solidFill>
+              <a:prstClr val="black"/>
+            </a:solidFill>
+          </a:ln>
+        </p:spPr>
+        <p:txBody>
+          <a:bodyPr vert="horz" lIns="91440" tIns="45720" rIns="91440" bIns="45720" rtlCol="0" anchor="ctr"/>
+          <a:lstStyle/>
+          <a:p>
+            <a:endParaRPr lang="en-US"/>
+          </a:p>
+        </p:txBody>
+      </p:sp>
+      <p:sp>
+        <p:nvSpPr>
+          <p:cNvPr id="5" name="Notes Placeholder 4"/>
+          <p:cNvSpPr>
+            <a:spLocks noGrp="1"/>
+          </p:cNvSpPr>
+          <p:nvPr>
+            <p:ph type="body" sz="quarter" idx="3"/>
+          </p:nvPr>
+        </p:nvSpPr>
+        <p:spPr>
+          <a:xfrm>
+            <a:off x="685800" y="4400550"/>
+            <a:ext cx="5486400" cy="3600450"/>
+          </a:xfrm>
+          <a:prstGeom prst="rect">
+            <a:avLst/>
+          </a:prstGeom>
+        </p:spPr>
+        <p:txBody>
+          <a:bodyPr vert="horz" lIns="91440" tIns="45720" rIns="91440" bIns="45720" rtlCol="0"/>
+          <a:lstStyle/>
+          <a:p>
+            <a:pPr lvl="0"/>
+            <a:r>
+              <a:rPr lang="en-US" altLang="zh-CN" smtClean="0"/>
+              <a:t>Click to edit Master text styles</a:t>
+            </a:r>
+          </a:p>
+          <a:p>
+            <a:pPr lvl="1"/>
+            <a:r>
+              <a:rPr lang="en-US" altLang="zh-CN" smtClean="0"/>
+              <a:t>Second level</a:t>
+            </a:r>
+          </a:p>
+          <a:p>
+            <a:pPr lvl="2"/>
+            <a:r>
+              <a:rPr lang="en-US" altLang="zh-CN" smtClean="0"/>
+              <a:t>Third level</a:t>
+            </a:r>
+          </a:p>
+          <a:p>
+            <a:pPr lvl="3"/>
+            <a:r>
+              <a:rPr lang="en-US" altLang="zh-CN" smtClean="0"/>
+              <a:t>Fourth level</a:t>
+            </a:r>
+          </a:p>
+          <a:p>
+            <a:pPr lvl="4"/>
+            <a:r>
+              <a:rPr lang="en-US" altLang="zh-CN" smtClean="0"/>
+              <a:t>Fifth level</a:t>
+            </a:r>
+            <a:endParaRPr lang="en-US"/>
+          </a:p>
+        </p:txBody>
+      </p:sp>
+      <p:sp>
+        <p:nvSpPr>
+          <p:cNvPr id="6" name="Footer Placeholder 5"/>
+          <p:cNvSpPr>
+            <a:spLocks noGrp="1"/>
+          </p:cNvSpPr>
+          <p:nvPr>
+            <p:ph type="ftr" sz="quarter" idx="4"/>
+          </p:nvPr>
+        </p:nvSpPr>
+        <p:spPr>
+          <a:xfrm>
+            <a:off x="0" y="8685213"/>
+            <a:ext cx="2971800" cy="458787"/>
+          </a:xfrm>
+          <a:prstGeom prst="rect">
+            <a:avLst/>
+          </a:prstGeom>
+        </p:spPr>
+        <p:txBody>
+          <a:bodyPr vert="horz" lIns="91440" tIns="45720" rIns="91440" bIns="45720" rtlCol="0" anchor="b"/>
+          <a:lstStyle>
+            <a:lvl1pPr algn="l">
+              <a:defRPr sz="1200"/>
+            </a:lvl1pPr>
+          </a:lstStyle>
+          <a:p>
+            <a:endParaRPr lang="en-US"/>
+          </a:p>
+        </p:txBody>
+      </p:sp>
+      <p:sp>
+        <p:nvSpPr>
+          <p:cNvPr id="7" name="Slide Number Placeholder 6"/>
+          <p:cNvSpPr>
+            <a:spLocks noGrp="1"/>
+          </p:cNvSpPr>
+          <p:nvPr>
+            <p:ph type="sldNum" sz="quarter" idx="5"/>
+          </p:nvPr>
+        </p:nvSpPr>
+        <p:spPr>
+          <a:xfrm>
+            <a:off x="3884613" y="8685213"/>
+            <a:ext cx="2971800" cy="458787"/>
+          </a:xfrm>
+          <a:prstGeom prst="rect">
+            <a:avLst/>
+          </a:prstGeom>
+        </p:spPr>
+        <p:txBody>
+          <a:bodyPr vert="horz" lIns="91440" tIns="45720" rIns="91440" bIns="45720" rtlCol="0" anchor="b"/>
+          <a:lstStyle>
+            <a:lvl1pPr algn="r">
+              <a:defRPr sz="1200"/>
+            </a:lvl1pPr>
+          </a:lstStyle>
+          <a:p>
+            <a:fld id="{1B4E22D3-EF41-C84D-BA64-3D40A5177A88}" type="slidenum">
+              <a:rPr lang="en-US" smtClean="0"/>
+              <a:t>‹#›</a:t>
+            </a:fld>
+            <a:endParaRPr lang="en-US"/>
+          </a:p>
+        </p:txBody>
+      </p:sp>
+    </p:spTree>
+    <p:extLst>
+      <p:ext uri="{BB962C8B-B14F-4D97-AF65-F5344CB8AC3E}">
+        <p14:creationId xmlns:p14="http://schemas.microsoft.com/office/powerpoint/2010/main" val="617522396"/>
+      </p:ext>
+    </p:extLst>
+  </p:cSld>
+  <p:clrMap bg1="lt1" tx1="dk1" bg2="lt2" tx2="dk2" accent1="accent1" accent2="accent2" accent3="accent3" accent4="accent4" accent5="accent5" accent6="accent6" hlink="hlink" folHlink="folHlink"/>
+  <p:notesStyle>
+    <a:lvl1pPr marL="0" algn="l" defTabSz="914400" rtl="0" eaLnBrk="1" latinLnBrk="0" hangingPunct="1">
+      <a:defRPr sz="1200" kern="1200">
+        <a:solidFill>
+          <a:schemeClr val="tx1"/>
+        </a:solidFill>
+        <a:latin typeface="+mn-lt"/>
+        <a:ea typeface="+mn-ea"/>
+        <a:cs typeface="+mn-cs"/>
+      </a:defRPr>
+    </a:lvl1pPr>
+    <a:lvl2pPr marL="457200" algn="l" defTabSz="914400" rtl="0" eaLnBrk="1" latinLnBrk="0" hangingPunct="1">
+      <a:defRPr sz="1200" kern="1200">
+        <a:solidFill>
+          <a:schemeClr val="tx1"/>
+        </a:solidFill>
+        <a:latin typeface="+mn-lt"/>
+        <a:ea typeface="+mn-ea"/>
+        <a:cs typeface="+mn-cs"/>
+      </a:defRPr>
+    </a:lvl2pPr>
+    <a:lvl3pPr marL="914400" algn="l" defTabSz="914400" rtl="0" eaLnBrk="1" latinLnBrk="0" hangingPunct="1">
+      <a:defRPr sz="1200" kern="1200">
+        <a:solidFill>
+          <a:schemeClr val="tx1"/>
+        </a:solidFill>
+        <a:latin typeface="+mn-lt"/>
+        <a:ea typeface="+mn-ea"/>
+        <a:cs typeface="+mn-cs"/>
+      </a:defRPr>
+    </a:lvl3pPr>
+    <a:lvl4pPr marL="1371600" algn="l" defTabSz="914400" rtl="0" eaLnBrk="1" latinLnBrk="0" hangingPunct="1">
+      <a:defRPr sz="1200" kern="1200">
+        <a:solidFill>
+          <a:schemeClr val="tx1"/>
+        </a:solidFill>
+        <a:latin typeface="+mn-lt"/>
+        <a:ea typeface="+mn-ea"/>
+        <a:cs typeface="+mn-cs"/>
+      </a:defRPr>
+    </a:lvl4pPr>
+    <a:lvl5pPr marL="1828800" algn="l" defTabSz="914400" rtl="0" eaLnBrk="1" latinLnBrk="0" hangingPunct="1">
+      <a:defRPr sz="1200" kern="1200">
+        <a:solidFill>
+          <a:schemeClr val="tx1"/>
+        </a:solidFill>
+        <a:latin typeface="+mn-lt"/>
+        <a:ea typeface="+mn-ea"/>
+        <a:cs typeface="+mn-cs"/>
+      </a:defRPr>
+    </a:lvl5pPr>
+    <a:lvl6pPr marL="2286000" algn="l" defTabSz="914400" rtl="0" eaLnBrk="1" latinLnBrk="0" hangingPunct="1">
+      <a:defRPr sz="1200" kern="1200">
+        <a:solidFill>
+          <a:schemeClr val="tx1"/>
+        </a:solidFill>
+        <a:latin typeface="+mn-lt"/>
+        <a:ea typeface="+mn-ea"/>
+        <a:cs typeface="+mn-cs"/>
+      </a:defRPr>
+    </a:lvl6pPr>
+    <a:lvl7pPr marL="2743200" algn="l" defTabSz="914400" rtl="0" eaLnBrk="1" latinLnBrk="0" hangingPunct="1">
+      <a:defRPr sz="1200" kern="1200">
+        <a:solidFill>
+          <a:schemeClr val="tx1"/>
+        </a:solidFill>
+        <a:latin typeface="+mn-lt"/>
+        <a:ea typeface="+mn-ea"/>
+        <a:cs typeface="+mn-cs"/>
+      </a:defRPr>
+    </a:lvl7pPr>
+    <a:lvl8pPr marL="3200400" algn="l" defTabSz="914400" rtl="0" eaLnBrk="1" latinLnBrk="0" hangingPunct="1">
+      <a:defRPr sz="1200" kern="1200">
+        <a:solidFill>
+          <a:schemeClr val="tx1"/>
+        </a:solidFill>
+        <a:latin typeface="+mn-lt"/>
+        <a:ea typeface="+mn-ea"/>
+        <a:cs typeface="+mn-cs"/>
+      </a:defRPr>
+    </a:lvl8pPr>
+    <a:lvl9pPr marL="3657600" algn="l" defTabSz="914400" rtl="0" eaLnBrk="1" latinLnBrk="0" hangingPunct="1">
+      <a:defRPr sz="1200" kern="1200">
+        <a:solidFill>
+          <a:schemeClr val="tx1"/>
+        </a:solidFill>
+        <a:latin typeface="+mn-lt"/>
+        <a:ea typeface="+mn-ea"/>
+        <a:cs typeface="+mn-cs"/>
+      </a:defRPr>
+    </a:lvl9pPr>
+  </p:notesStyle>
+</p:notesMaster>
+</file>
+
+<file path=ppt/notesSlides/notesSlide1.xml><?xml version="1.0" encoding="utf-8"?>
+<p:notes xmlns:a="http://schemas.openxmlformats.org/drawingml/2006/main" xmlns:r="http://schemas.openxmlformats.org/officeDocument/2006/relationships" xmlns:p="http://schemas.openxmlformats.org/presentationml/2006/main">
+  <p:cSld>
+    <p:spTree>
+      <p:nvGrpSpPr>
+        <p:cNvPr id="1" name=""/>
+        <p:cNvGrpSpPr/>
+        <p:nvPr/>
+      </p:nvGrpSpPr>
+      <p:grpSpPr>
+        <a:xfrm>
+          <a:off x="0" y="0"/>
+          <a:ext cx="0" cy="0"/>
+          <a:chOff x="0" y="0"/>
+          <a:chExt cx="0" cy="0"/>
+        </a:xfrm>
+      </p:grpSpPr>
+      <p:sp>
+        <p:nvSpPr>
+          <p:cNvPr id="2" name="Slide Image Placeholder 1"/>
+          <p:cNvSpPr>
+            <a:spLocks noGrp="1" noRot="1" noChangeAspect="1"/>
+          </p:cNvSpPr>
+          <p:nvPr>
+            <p:ph type="sldImg"/>
+          </p:nvPr>
+        </p:nvSpPr>
+        <p:spPr/>
+      </p:sp>
+      <p:sp>
+        <p:nvSpPr>
+          <p:cNvPr id="3" name="Notes Placeholder 2"/>
+          <p:cNvSpPr>
+            <a:spLocks noGrp="1"/>
+          </p:cNvSpPr>
+          <p:nvPr>
+            <p:ph type="body" idx="1"/>
+          </p:nvPr>
+        </p:nvSpPr>
+        <p:spPr/>
+        <p:txBody>
+          <a:bodyPr/>
+          <a:lstStyle/>
+          <a:p>
+            <a:endParaRPr lang="en-US" dirty="0"/>
+          </a:p>
+        </p:txBody>
+      </p:sp>
+      <p:sp>
+        <p:nvSpPr>
+          <p:cNvPr id="4" name="Slide Number Placeholder 3"/>
+          <p:cNvSpPr>
+            <a:spLocks noGrp="1"/>
+          </p:cNvSpPr>
+          <p:nvPr>
+            <p:ph type="sldNum" sz="quarter" idx="10"/>
+          </p:nvPr>
+        </p:nvSpPr>
+        <p:spPr/>
+        <p:txBody>
+          <a:bodyPr/>
+          <a:lstStyle/>
+          <a:p>
+            <a:fld id="{1B4E22D3-EF41-C84D-BA64-3D40A5177A88}" type="slidenum">
+              <a:rPr lang="en-US" smtClean="0"/>
+              <a:t>4</a:t>
+            </a:fld>
+            <a:endParaRPr lang="en-US"/>
+          </a:p>
+        </p:txBody>
+      </p:sp>
+    </p:spTree>
+    <p:extLst>
+      <p:ext uri="{BB962C8B-B14F-4D97-AF65-F5344CB8AC3E}">
+        <p14:creationId xmlns:p14="http://schemas.microsoft.com/office/powerpoint/2010/main" val="2057927268"/>
+      </p:ext>
+    </p:extLst>
+  </p:cSld>
+  <p:clrMapOvr>
+    <a:masterClrMapping/>
+  </p:clrMapOvr>
+</p:notes>
+</file>
+
+<file path=ppt/notesSlides/notesSlide2.xml><?xml version="1.0" encoding="utf-8"?>
+<p:notes xmlns:a="http://schemas.openxmlformats.org/drawingml/2006/main" xmlns:r="http://schemas.openxmlformats.org/officeDocument/2006/relationships" xmlns:p="http://schemas.openxmlformats.org/presentationml/2006/main">
+  <p:cSld>
+    <p:spTree>
+      <p:nvGrpSpPr>
+        <p:cNvPr id="1" name=""/>
+        <p:cNvGrpSpPr/>
+        <p:nvPr/>
+      </p:nvGrpSpPr>
+      <p:grpSpPr>
+        <a:xfrm>
+          <a:off x="0" y="0"/>
+          <a:ext cx="0" cy="0"/>
+          <a:chOff x="0" y="0"/>
+          <a:chExt cx="0" cy="0"/>
+        </a:xfrm>
+      </p:grpSpPr>
+      <p:sp>
+        <p:nvSpPr>
+          <p:cNvPr id="2" name="Slide Image Placeholder 1"/>
+          <p:cNvSpPr>
+            <a:spLocks noGrp="1" noRot="1" noChangeAspect="1"/>
+          </p:cNvSpPr>
+          <p:nvPr>
+            <p:ph type="sldImg"/>
+          </p:nvPr>
+        </p:nvSpPr>
+        <p:spPr/>
+      </p:sp>
+      <p:sp>
+        <p:nvSpPr>
+          <p:cNvPr id="3" name="Notes Placeholder 2"/>
+          <p:cNvSpPr>
+            <a:spLocks noGrp="1"/>
+          </p:cNvSpPr>
+          <p:nvPr>
+            <p:ph type="body" idx="1"/>
+          </p:nvPr>
+        </p:nvSpPr>
+        <p:spPr/>
+        <p:txBody>
+          <a:bodyPr/>
+          <a:lstStyle/>
+          <a:p>
+            <a:endParaRPr lang="en-US" dirty="0"/>
+          </a:p>
+        </p:txBody>
+      </p:sp>
+      <p:sp>
+        <p:nvSpPr>
+          <p:cNvPr id="4" name="Slide Number Placeholder 3"/>
+          <p:cNvSpPr>
+            <a:spLocks noGrp="1"/>
+          </p:cNvSpPr>
+          <p:nvPr>
+            <p:ph type="sldNum" sz="quarter" idx="10"/>
+          </p:nvPr>
+        </p:nvSpPr>
+        <p:spPr/>
+        <p:txBody>
+          <a:bodyPr/>
+          <a:lstStyle/>
+          <a:p>
+            <a:fld id="{1B4E22D3-EF41-C84D-BA64-3D40A5177A88}" type="slidenum">
+              <a:rPr lang="en-US" smtClean="0"/>
+              <a:t>7</a:t>
+            </a:fld>
+            <a:endParaRPr lang="en-US"/>
+          </a:p>
+        </p:txBody>
+      </p:sp>
+    </p:spTree>
+    <p:extLst>
+      <p:ext uri="{BB962C8B-B14F-4D97-AF65-F5344CB8AC3E}">
+        <p14:creationId xmlns:p14="http://schemas.microsoft.com/office/powerpoint/2010/main" val="694624734"/>
+      </p:ext>
+    </p:extLst>
+  </p:cSld>
+  <p:clrMapOvr>
+    <a:masterClrMapping/>
+  </p:clrMapOvr>
+</p:notes>
+</file>
+
+<file path=ppt/notesSlides/notesSlide3.xml><?xml version="1.0" encoding="utf-8"?>
+<p:notes xmlns:a="http://schemas.openxmlformats.org/drawingml/2006/main" xmlns:r="http://schemas.openxmlformats.org/officeDocument/2006/relationships" xmlns:p="http://schemas.openxmlformats.org/presentationml/2006/main">
+  <p:cSld>
+    <p:spTree>
+      <p:nvGrpSpPr>
+        <p:cNvPr id="1" name=""/>
+        <p:cNvGrpSpPr/>
+        <p:nvPr/>
+      </p:nvGrpSpPr>
+      <p:grpSpPr>
+        <a:xfrm>
+          <a:off x="0" y="0"/>
+          <a:ext cx="0" cy="0"/>
+          <a:chOff x="0" y="0"/>
+          <a:chExt cx="0" cy="0"/>
+        </a:xfrm>
+      </p:grpSpPr>
+      <p:sp>
+        <p:nvSpPr>
+          <p:cNvPr id="2" name="Slide Image Placeholder 1"/>
+          <p:cNvSpPr>
+            <a:spLocks noGrp="1" noRot="1" noChangeAspect="1"/>
+          </p:cNvSpPr>
+          <p:nvPr>
+            <p:ph type="sldImg"/>
+          </p:nvPr>
+        </p:nvSpPr>
+        <p:spPr/>
+      </p:sp>
+      <p:sp>
+        <p:nvSpPr>
+          <p:cNvPr id="3" name="Notes Placeholder 2"/>
+          <p:cNvSpPr>
+            <a:spLocks noGrp="1"/>
+          </p:cNvSpPr>
+          <p:nvPr>
+            <p:ph type="body" idx="1"/>
+          </p:nvPr>
+        </p:nvSpPr>
+        <p:spPr/>
+        <p:txBody>
+          <a:bodyPr/>
+          <a:lstStyle/>
+          <a:p>
+            <a:endParaRPr lang="en-US" dirty="0"/>
+          </a:p>
+        </p:txBody>
+      </p:sp>
+      <p:sp>
+        <p:nvSpPr>
+          <p:cNvPr id="4" name="Slide Number Placeholder 3"/>
+          <p:cNvSpPr>
+            <a:spLocks noGrp="1"/>
+          </p:cNvSpPr>
+          <p:nvPr>
+            <p:ph type="sldNum" sz="quarter" idx="10"/>
+          </p:nvPr>
+        </p:nvSpPr>
+        <p:spPr/>
+        <p:txBody>
+          <a:bodyPr/>
+          <a:lstStyle/>
+          <a:p>
+            <a:fld id="{1B4E22D3-EF41-C84D-BA64-3D40A5177A88}" type="slidenum">
+              <a:rPr lang="en-US" smtClean="0"/>
+              <a:t>8</a:t>
+            </a:fld>
+            <a:endParaRPr lang="en-US"/>
+          </a:p>
+        </p:txBody>
+      </p:sp>
+    </p:spTree>
+    <p:extLst>
+      <p:ext uri="{BB962C8B-B14F-4D97-AF65-F5344CB8AC3E}">
+        <p14:creationId xmlns:p14="http://schemas.microsoft.com/office/powerpoint/2010/main" val="1137474483"/>
+      </p:ext>
+    </p:extLst>
+  </p:cSld>
+  <p:clrMapOvr>
+    <a:masterClrMapping/>
+  </p:clrMapOvr>
+</p:notes>
 </file>
 
 <file path=ppt/slideLayouts/slideLayout1.xml><?xml version="1.0" encoding="utf-8"?>
@@ -3025,6 +3642,178 @@
 </p:sld>
 </file>
 
+<file path=ppt/slides/slide10.xml><?xml version="1.0" encoding="utf-8"?>
+<p:sld xmlns:a="http://schemas.openxmlformats.org/drawingml/2006/main" xmlns:r="http://schemas.openxmlformats.org/officeDocument/2006/relationships" xmlns:p="http://schemas.openxmlformats.org/presentationml/2006/main">
+  <p:cSld>
+    <p:spTree>
+      <p:nvGrpSpPr>
+        <p:cNvPr id="1" name=""/>
+        <p:cNvGrpSpPr/>
+        <p:nvPr/>
+      </p:nvGrpSpPr>
+      <p:grpSpPr>
+        <a:xfrm>
+          <a:off x="0" y="0"/>
+          <a:ext cx="0" cy="0"/>
+          <a:chOff x="0" y="0"/>
+          <a:chExt cx="0" cy="0"/>
+        </a:xfrm>
+      </p:grpSpPr>
+      <p:sp>
+        <p:nvSpPr>
+          <p:cNvPr id="2" name="Title 1"/>
+          <p:cNvSpPr>
+            <a:spLocks noGrp="1"/>
+          </p:cNvSpPr>
+          <p:nvPr>
+            <p:ph type="ctrTitle"/>
+          </p:nvPr>
+        </p:nvSpPr>
+        <p:spPr>
+          <a:xfrm>
+            <a:off x="1548276" y="351907"/>
+            <a:ext cx="8904514" cy="864734"/>
+          </a:xfrm>
+        </p:spPr>
+        <p:txBody>
+          <a:bodyPr>
+            <a:normAutofit fontScale="90000"/>
+          </a:bodyPr>
+          <a:lstStyle/>
+          <a:p>
+            <a:r>
+              <a:rPr lang="en-US" dirty="0" err="1"/>
+              <a:t>ShowMyMomentTest</a:t>
+            </a:r>
+            <a:endParaRPr lang="en-US" dirty="0"/>
+          </a:p>
+        </p:txBody>
+      </p:sp>
+      <p:sp>
+        <p:nvSpPr>
+          <p:cNvPr id="10" name="TextBox 9"/>
+          <p:cNvSpPr txBox="1"/>
+          <p:nvPr/>
+        </p:nvSpPr>
+        <p:spPr>
+          <a:xfrm>
+            <a:off x="1124792" y="1850612"/>
+            <a:ext cx="3277275" cy="1754326"/>
+          </a:xfrm>
+          <a:prstGeom prst="rect">
+            <a:avLst/>
+          </a:prstGeom>
+          <a:noFill/>
+        </p:spPr>
+        <p:txBody>
+          <a:bodyPr wrap="square" rtlCol="0">
+            <a:spAutoFit/>
+          </a:bodyPr>
+          <a:lstStyle/>
+          <a:p>
+            <a:r>
+              <a:rPr lang="zh-CN" altLang="en-US" dirty="0" smtClean="0"/>
+              <a:t>必须继承自</a:t>
+            </a:r>
+            <a:r>
+              <a:rPr lang="en-US" dirty="0" err="1" smtClean="0"/>
+              <a:t>BaseTest</a:t>
+            </a:r>
+            <a:r>
+              <a:rPr lang="zh-CN" altLang="en-US" dirty="0" smtClean="0"/>
+              <a:t>类</a:t>
+            </a:r>
+          </a:p>
+          <a:p>
+            <a:r>
+              <a:rPr lang="zh-CN" altLang="en-US" dirty="0" smtClean="0"/>
+              <a:t>加</a:t>
+            </a:r>
+            <a:r>
+              <a:rPr lang="en-US" altLang="zh-CN" dirty="0" smtClean="0"/>
+              <a:t>@Test</a:t>
+            </a:r>
+            <a:r>
+              <a:rPr lang="zh-CN" altLang="en-US" dirty="0" smtClean="0"/>
+              <a:t>注解</a:t>
+            </a:r>
+          </a:p>
+          <a:p>
+            <a:endParaRPr lang="zh-CN" altLang="en-US" dirty="0"/>
+          </a:p>
+          <a:p>
+            <a:r>
+              <a:rPr lang="zh-CN" altLang="en-US" dirty="0" smtClean="0"/>
+              <a:t>先</a:t>
+            </a:r>
+            <a:r>
+              <a:rPr lang="en-US" altLang="zh-CN" dirty="0" smtClean="0"/>
+              <a:t>Verify()</a:t>
+            </a:r>
+            <a:r>
+              <a:rPr lang="zh-CN" altLang="en-US" dirty="0" smtClean="0"/>
+              <a:t> 再执行业务操作</a:t>
+            </a:r>
+            <a:endParaRPr lang="zh-CN" altLang="en-US" dirty="0"/>
+          </a:p>
+          <a:p>
+            <a:endParaRPr lang="zh-CN" altLang="en-US" dirty="0"/>
+          </a:p>
+          <a:p>
+            <a:endParaRPr lang="en-US" dirty="0"/>
+          </a:p>
+        </p:txBody>
+      </p:sp>
+      <p:pic>
+        <p:nvPicPr>
+          <p:cNvPr id="3" name="Picture 2"/>
+          <p:cNvPicPr>
+            <a:picLocks noChangeAspect="1"/>
+          </p:cNvPicPr>
+          <p:nvPr/>
+        </p:nvPicPr>
+        <p:blipFill>
+          <a:blip r:embed="rId2">
+            <a:extLst>
+              <a:ext uri="{28A0092B-C50C-407E-A947-70E740481C1C}">
+                <a14:useLocalDpi xmlns:a14="http://schemas.microsoft.com/office/drawing/2010/main" val="0"/>
+              </a:ext>
+            </a:extLst>
+          </a:blip>
+          <a:stretch>
+            <a:fillRect/>
+          </a:stretch>
+        </p:blipFill>
+        <p:spPr>
+          <a:xfrm>
+            <a:off x="5546874" y="1859936"/>
+            <a:ext cx="5511105" cy="4367901"/>
+          </a:xfrm>
+          <a:prstGeom prst="rect">
+            <a:avLst/>
+          </a:prstGeom>
+        </p:spPr>
+      </p:pic>
+    </p:spTree>
+    <p:extLst>
+      <p:ext uri="{BB962C8B-B14F-4D97-AF65-F5344CB8AC3E}">
+        <p14:creationId xmlns:p14="http://schemas.microsoft.com/office/powerpoint/2010/main" val="1661651248"/>
+      </p:ext>
+    </p:extLst>
+  </p:cSld>
+  <p:clrMapOvr>
+    <a:masterClrMapping/>
+  </p:clrMapOvr>
+  <p:timing>
+    <p:tnLst>
+      <p:par>
+        <p:cTn id="1" dur="indefinite" restart="never" nodeType="tmRoot"/>
+      </p:par>
+    </p:tnLst>
+  </p:timing>
+</p:sld>
+</file>
+
 <file path=ppt/slides/slide2.xml><?xml version="1.0" encoding="utf-8"?>
 <p:sld xmlns:a="http://schemas.openxmlformats.org/drawingml/2006/main" xmlns:r="http://schemas.openxmlformats.org/officeDocument/2006/relationships" xmlns:p="http://schemas.openxmlformats.org/presentationml/2006/main">
   <p:cSld>
@@ -3254,13 +4043,8 @@
             </a:r>
             <a:r>
               <a:rPr lang="zh-CN" altLang="en-US" dirty="0" smtClean="0"/>
-              <a:t> </a:t>
-            </a:r>
-            <a:r>
-              <a:rPr lang="zh-CN" altLang="en-US" dirty="0" smtClean="0"/>
-              <a:t>打开微信后的主页面</a:t>
-            </a:r>
-            <a:endParaRPr lang="zh-CN" altLang="en-US" dirty="0" smtClean="0"/>
+              <a:t> 打开微信后的主页面</a:t>
+            </a:r>
           </a:p>
           <a:p>
             <a:pPr marL="342900" indent="-342900" algn="l">
@@ -3281,11 +4065,7 @@
             </a:r>
             <a:r>
               <a:rPr lang="zh-CN" altLang="en-US" dirty="0" smtClean="0"/>
-              <a:t> </a:t>
-            </a:r>
-            <a:r>
-              <a:rPr lang="zh-CN" altLang="en-US" dirty="0" smtClean="0"/>
-              <a:t>“我”的页面</a:t>
+              <a:t> “我”的页面</a:t>
             </a:r>
           </a:p>
           <a:p>
@@ -3307,11 +4087,7 @@
             </a:r>
             <a:r>
               <a:rPr lang="zh-CN" altLang="en-US" dirty="0" smtClean="0"/>
-              <a:t> “</a:t>
-            </a:r>
-            <a:r>
-              <a:rPr lang="zh-CN" altLang="en-US" dirty="0" smtClean="0"/>
-              <a:t>我的相册”页面</a:t>
+              <a:t> “我的相册”页面</a:t>
             </a:r>
           </a:p>
           <a:p>
@@ -3333,13 +4109,8 @@
             </a:r>
             <a:r>
               <a:rPr lang="zh-CN" altLang="en-US" dirty="0" smtClean="0"/>
-              <a:t> </a:t>
-            </a:r>
-            <a:r>
-              <a:rPr lang="zh-CN" altLang="en-US" smtClean="0"/>
-              <a:t>朋友圈详情页面</a:t>
-            </a:r>
-            <a:endParaRPr lang="zh-CN" altLang="en-US" dirty="0" smtClean="0"/>
+              <a:t> 朋友圈详情页面</a:t>
+            </a:r>
           </a:p>
         </p:txBody>
       </p:sp>
@@ -3467,6 +4238,1409 @@
     <p:extLst>
       <p:ext uri="{BB962C8B-B14F-4D97-AF65-F5344CB8AC3E}">
         <p14:creationId xmlns:p14="http://schemas.microsoft.com/office/powerpoint/2010/main" val="1955884728"/>
+      </p:ext>
+    </p:extLst>
+  </p:cSld>
+  <p:clrMapOvr>
+    <a:masterClrMapping/>
+  </p:clrMapOvr>
+  <p:timing>
+    <p:tnLst>
+      <p:par>
+        <p:cTn id="1" dur="indefinite" restart="never" nodeType="tmRoot"/>
+      </p:par>
+    </p:tnLst>
+  </p:timing>
+</p:sld>
+</file>
+
+<file path=ppt/slides/slide4.xml><?xml version="1.0" encoding="utf-8"?>
+<p:sld xmlns:a="http://schemas.openxmlformats.org/drawingml/2006/main" xmlns:r="http://schemas.openxmlformats.org/officeDocument/2006/relationships" xmlns:p="http://schemas.openxmlformats.org/presentationml/2006/main">
+  <p:cSld>
+    <p:spTree>
+      <p:nvGrpSpPr>
+        <p:cNvPr id="1" name=""/>
+        <p:cNvGrpSpPr/>
+        <p:nvPr/>
+      </p:nvGrpSpPr>
+      <p:grpSpPr>
+        <a:xfrm>
+          <a:off x="0" y="0"/>
+          <a:ext cx="0" cy="0"/>
+          <a:chOff x="0" y="0"/>
+          <a:chExt cx="0" cy="0"/>
+        </a:xfrm>
+      </p:grpSpPr>
+      <p:sp>
+        <p:nvSpPr>
+          <p:cNvPr id="2" name="Title 1"/>
+          <p:cNvSpPr>
+            <a:spLocks noGrp="1"/>
+          </p:cNvSpPr>
+          <p:nvPr>
+            <p:ph type="ctrTitle"/>
+          </p:nvPr>
+        </p:nvSpPr>
+        <p:spPr>
+          <a:xfrm>
+            <a:off x="1600200" y="332925"/>
+            <a:ext cx="8904514" cy="864734"/>
+          </a:xfrm>
+        </p:spPr>
+        <p:txBody>
+          <a:bodyPr>
+            <a:normAutofit fontScale="90000"/>
+          </a:bodyPr>
+          <a:lstStyle/>
+          <a:p>
+            <a:r>
+              <a:rPr lang="en-US" dirty="0" err="1"/>
+              <a:t>WeiXinMainPage</a:t>
+            </a:r>
+            <a:endParaRPr lang="en-US" dirty="0"/>
+          </a:p>
+        </p:txBody>
+      </p:sp>
+      <p:pic>
+        <p:nvPicPr>
+          <p:cNvPr id="4" name="Picture 3"/>
+          <p:cNvPicPr>
+            <a:picLocks noChangeAspect="1"/>
+          </p:cNvPicPr>
+          <p:nvPr/>
+        </p:nvPicPr>
+        <p:blipFill>
+          <a:blip r:embed="rId3">
+            <a:extLst>
+              <a:ext uri="{28A0092B-C50C-407E-A947-70E740481C1C}">
+                <a14:useLocalDpi xmlns:a14="http://schemas.microsoft.com/office/drawing/2010/main" val="0"/>
+              </a:ext>
+            </a:extLst>
+          </a:blip>
+          <a:stretch>
+            <a:fillRect/>
+          </a:stretch>
+        </p:blipFill>
+        <p:spPr>
+          <a:xfrm>
+            <a:off x="772537" y="1586039"/>
+            <a:ext cx="2484534" cy="4548696"/>
+          </a:xfrm>
+          <a:prstGeom prst="rect">
+            <a:avLst/>
+          </a:prstGeom>
+        </p:spPr>
+      </p:pic>
+      <p:pic>
+        <p:nvPicPr>
+          <p:cNvPr id="5" name="Picture 4"/>
+          <p:cNvPicPr>
+            <a:picLocks noChangeAspect="1"/>
+          </p:cNvPicPr>
+          <p:nvPr/>
+        </p:nvPicPr>
+        <p:blipFill>
+          <a:blip r:embed="rId4">
+            <a:extLst>
+              <a:ext uri="{28A0092B-C50C-407E-A947-70E740481C1C}">
+                <a14:useLocalDpi xmlns:a14="http://schemas.microsoft.com/office/drawing/2010/main" val="0"/>
+              </a:ext>
+            </a:extLst>
+          </a:blip>
+          <a:stretch>
+            <a:fillRect/>
+          </a:stretch>
+        </p:blipFill>
+        <p:spPr>
+          <a:xfrm>
+            <a:off x="4285445" y="2990539"/>
+            <a:ext cx="5820256" cy="3264683"/>
+          </a:xfrm>
+          <a:prstGeom prst="rect">
+            <a:avLst/>
+          </a:prstGeom>
+        </p:spPr>
+      </p:pic>
+      <p:sp>
+        <p:nvSpPr>
+          <p:cNvPr id="9" name="TextBox 8"/>
+          <p:cNvSpPr txBox="1"/>
+          <p:nvPr/>
+        </p:nvSpPr>
+        <p:spPr>
+          <a:xfrm>
+            <a:off x="4285445" y="1513211"/>
+            <a:ext cx="6112821" cy="1477328"/>
+          </a:xfrm>
+          <a:prstGeom prst="rect">
+            <a:avLst/>
+          </a:prstGeom>
+          <a:noFill/>
+        </p:spPr>
+        <p:txBody>
+          <a:bodyPr wrap="square" rtlCol="0">
+            <a:spAutoFit/>
+          </a:bodyPr>
+          <a:lstStyle/>
+          <a:p>
+            <a:r>
+              <a:rPr lang="en-US" b="1" dirty="0"/>
+              <a:t>MAIN_PAGE_WEIXIN_TEXT: </a:t>
+            </a:r>
+            <a:r>
+              <a:rPr lang="en-US" dirty="0" smtClean="0"/>
+              <a:t>‘微信’</a:t>
+            </a:r>
+            <a:r>
+              <a:rPr lang="en-US" dirty="0"/>
+              <a:t/>
+            </a:r>
+            <a:br>
+              <a:rPr lang="en-US" dirty="0"/>
+            </a:br>
+            <a:r>
+              <a:rPr lang="en-US" b="1" dirty="0"/>
+              <a:t>MAIN_PAGE_CONTACT_TEXT: </a:t>
+            </a:r>
+            <a:r>
+              <a:rPr lang="en-US" dirty="0" smtClean="0"/>
+              <a:t>‘通讯录’</a:t>
+            </a:r>
+            <a:r>
+              <a:rPr lang="en-US" dirty="0"/>
+              <a:t/>
+            </a:r>
+            <a:br>
+              <a:rPr lang="en-US" dirty="0"/>
+            </a:br>
+            <a:r>
+              <a:rPr lang="en-US" b="1" dirty="0"/>
+              <a:t>MAIN_PAGE_DISCOVER_TEXT: </a:t>
+            </a:r>
+            <a:r>
+              <a:rPr lang="en-US" dirty="0" smtClean="0"/>
+              <a:t>‘发现’</a:t>
+            </a:r>
+            <a:r>
+              <a:rPr lang="en-US" dirty="0"/>
+              <a:t/>
+            </a:r>
+            <a:br>
+              <a:rPr lang="en-US" dirty="0"/>
+            </a:br>
+            <a:r>
+              <a:rPr lang="en-US" b="1" dirty="0"/>
+              <a:t>MAIN_PAGE_ME_TEXT: </a:t>
+            </a:r>
+            <a:r>
+              <a:rPr lang="en-US" dirty="0" smtClean="0"/>
+              <a:t>‘我’</a:t>
+            </a:r>
+            <a:endParaRPr lang="zh-CN" altLang="en-US" dirty="0" smtClean="0"/>
+          </a:p>
+          <a:p>
+            <a:r>
+              <a:rPr lang="zh-CN" altLang="en-US" dirty="0" smtClean="0"/>
+              <a:t>此页面</a:t>
+            </a:r>
+            <a:r>
+              <a:rPr lang="en-US" altLang="zh-CN" dirty="0" smtClean="0"/>
+              <a:t>iOS</a:t>
+            </a:r>
+            <a:r>
+              <a:rPr lang="zh-CN" altLang="en-US" dirty="0" smtClean="0"/>
+              <a:t>和</a:t>
+            </a:r>
+            <a:r>
+              <a:rPr lang="en-US" altLang="zh-CN" dirty="0" smtClean="0"/>
+              <a:t>Android</a:t>
+            </a:r>
+            <a:r>
+              <a:rPr lang="zh-CN" altLang="en-US" dirty="0"/>
+              <a:t> </a:t>
+            </a:r>
+            <a:r>
+              <a:rPr lang="en-US" altLang="zh-CN" dirty="0" smtClean="0"/>
+              <a:t>Resource</a:t>
+            </a:r>
+            <a:r>
+              <a:rPr lang="zh-CN" altLang="en-US" dirty="0" smtClean="0"/>
+              <a:t> 内容一致</a:t>
+            </a:r>
+            <a:endParaRPr lang="en-US" dirty="0"/>
+          </a:p>
+        </p:txBody>
+      </p:sp>
+    </p:spTree>
+    <p:extLst>
+      <p:ext uri="{BB962C8B-B14F-4D97-AF65-F5344CB8AC3E}">
+        <p14:creationId xmlns:p14="http://schemas.microsoft.com/office/powerpoint/2010/main" val="315031693"/>
+      </p:ext>
+    </p:extLst>
+  </p:cSld>
+  <p:clrMapOvr>
+    <a:masterClrMapping/>
+  </p:clrMapOvr>
+  <p:timing>
+    <p:tnLst>
+      <p:par>
+        <p:cTn id="1" dur="indefinite" restart="never" nodeType="tmRoot"/>
+      </p:par>
+    </p:tnLst>
+  </p:timing>
+</p:sld>
+</file>
+
+<file path=ppt/slides/slide5.xml><?xml version="1.0" encoding="utf-8"?>
+<p:sld xmlns:a="http://schemas.openxmlformats.org/drawingml/2006/main" xmlns:r="http://schemas.openxmlformats.org/officeDocument/2006/relationships" xmlns:p="http://schemas.openxmlformats.org/presentationml/2006/main">
+  <p:cSld>
+    <p:spTree>
+      <p:nvGrpSpPr>
+        <p:cNvPr id="1" name=""/>
+        <p:cNvGrpSpPr/>
+        <p:nvPr/>
+      </p:nvGrpSpPr>
+      <p:grpSpPr>
+        <a:xfrm>
+          <a:off x="0" y="0"/>
+          <a:ext cx="0" cy="0"/>
+          <a:chOff x="0" y="0"/>
+          <a:chExt cx="0" cy="0"/>
+        </a:xfrm>
+      </p:grpSpPr>
+      <p:sp>
+        <p:nvSpPr>
+          <p:cNvPr id="2" name="Title 1"/>
+          <p:cNvSpPr>
+            <a:spLocks noGrp="1"/>
+          </p:cNvSpPr>
+          <p:nvPr>
+            <p:ph type="ctrTitle"/>
+          </p:nvPr>
+        </p:nvSpPr>
+        <p:spPr>
+          <a:xfrm>
+            <a:off x="1524000" y="1055915"/>
+            <a:ext cx="8904514" cy="864734"/>
+          </a:xfrm>
+        </p:spPr>
+        <p:txBody>
+          <a:bodyPr>
+            <a:normAutofit fontScale="90000"/>
+          </a:bodyPr>
+          <a:lstStyle/>
+          <a:p>
+            <a:r>
+              <a:rPr lang="zh-CN" altLang="en-US" dirty="0" smtClean="0"/>
+              <a:t>关键点</a:t>
+            </a:r>
+            <a:endParaRPr lang="en-US" dirty="0"/>
+          </a:p>
+        </p:txBody>
+      </p:sp>
+      <p:sp>
+        <p:nvSpPr>
+          <p:cNvPr id="3" name="Subtitle 2"/>
+          <p:cNvSpPr>
+            <a:spLocks noGrp="1"/>
+          </p:cNvSpPr>
+          <p:nvPr>
+            <p:ph type="subTitle" idx="1"/>
+          </p:nvPr>
+        </p:nvSpPr>
+        <p:spPr>
+          <a:xfrm>
+            <a:off x="1600199" y="2698522"/>
+            <a:ext cx="9146023" cy="3208663"/>
+          </a:xfrm>
+        </p:spPr>
+        <p:txBody>
+          <a:bodyPr>
+            <a:normAutofit/>
+          </a:bodyPr>
+          <a:lstStyle/>
+          <a:p>
+            <a:pPr marL="342900" indent="-342900" algn="l">
+              <a:buFont typeface="Arial" charset="0"/>
+              <a:buChar char="•"/>
+            </a:pPr>
+            <a:r>
+              <a:rPr lang="zh-CN" altLang="en-US" dirty="0"/>
+              <a:t>构造函数设为</a:t>
+            </a:r>
+            <a:r>
+              <a:rPr lang="en-US" altLang="zh-CN" dirty="0"/>
+              <a:t>Protected</a:t>
+            </a:r>
+            <a:r>
+              <a:rPr lang="zh-CN" altLang="en-US" dirty="0"/>
+              <a:t>禁止外部调用 </a:t>
+            </a:r>
+            <a:endParaRPr lang="zh-CN" altLang="en-US" dirty="0" smtClean="0"/>
+          </a:p>
+          <a:p>
+            <a:pPr marL="342900" indent="-342900" algn="l">
+              <a:buFont typeface="Arial" charset="0"/>
+              <a:buChar char="•"/>
+            </a:pPr>
+            <a:r>
+              <a:rPr lang="zh-CN" altLang="en-US" dirty="0" smtClean="0"/>
+              <a:t>页面对象实例化通过静态函数</a:t>
+            </a:r>
+            <a:r>
+              <a:rPr lang="en-US" altLang="zh-CN" dirty="0" smtClean="0"/>
+              <a:t>verify()</a:t>
+            </a:r>
+            <a:r>
+              <a:rPr lang="zh-CN" altLang="en-US" dirty="0" smtClean="0"/>
+              <a:t>完成</a:t>
+            </a:r>
+          </a:p>
+          <a:p>
+            <a:pPr marL="342900" indent="-342900" algn="l">
+              <a:buFont typeface="Arial" charset="0"/>
+              <a:buChar char="•"/>
+            </a:pPr>
+            <a:r>
+              <a:rPr lang="en-US" altLang="zh-CN" dirty="0" smtClean="0"/>
+              <a:t>Page</a:t>
+            </a:r>
+            <a:r>
+              <a:rPr lang="zh-CN" altLang="en-US" dirty="0" smtClean="0"/>
+              <a:t>类必须继承于</a:t>
+            </a:r>
+            <a:r>
+              <a:rPr lang="en-US" altLang="zh-CN" dirty="0" err="1" smtClean="0"/>
+              <a:t>BasePage</a:t>
+            </a:r>
+            <a:endParaRPr lang="zh-CN" altLang="en-US" dirty="0" smtClean="0"/>
+          </a:p>
+          <a:p>
+            <a:pPr marL="342900" indent="-342900" algn="l">
+              <a:buFont typeface="Arial" charset="0"/>
+              <a:buChar char="•"/>
+            </a:pPr>
+            <a:r>
+              <a:rPr lang="en-US" altLang="zh-CN" dirty="0" smtClean="0"/>
+              <a:t>Page</a:t>
+            </a:r>
+            <a:r>
+              <a:rPr lang="zh-CN" altLang="en-US" dirty="0" smtClean="0"/>
+              <a:t>类的所有公共方法只返回</a:t>
+            </a:r>
+            <a:r>
+              <a:rPr lang="en-US" altLang="zh-CN" dirty="0" smtClean="0"/>
+              <a:t>Void</a:t>
+            </a:r>
+            <a:r>
+              <a:rPr lang="zh-CN" altLang="en-US" dirty="0" smtClean="0"/>
+              <a:t>或当前类实例</a:t>
+            </a:r>
+            <a:r>
+              <a:rPr lang="en-US" altLang="zh-CN" dirty="0" smtClean="0"/>
+              <a:t>(this)</a:t>
+            </a:r>
+            <a:endParaRPr lang="zh-CN" altLang="en-US" dirty="0" smtClean="0"/>
+          </a:p>
+          <a:p>
+            <a:pPr marL="342900" indent="-342900" algn="l">
+              <a:buFont typeface="Arial" charset="0"/>
+              <a:buChar char="•"/>
+            </a:pPr>
+            <a:r>
+              <a:rPr lang="zh-CN" altLang="en-US" dirty="0"/>
+              <a:t>函数函数内部通过</a:t>
+            </a:r>
+            <a:r>
+              <a:rPr lang="en-US" altLang="zh-CN" dirty="0" err="1"/>
+              <a:t>findElement</a:t>
+            </a:r>
+            <a:r>
+              <a:rPr lang="zh-CN" altLang="en-US" dirty="0"/>
+              <a:t>*方法来检验页面的关键元素是否存在来判断是否为期望的页面</a:t>
+            </a:r>
+          </a:p>
+          <a:p>
+            <a:pPr marL="342900" indent="-342900" algn="l">
+              <a:buFont typeface="Arial" charset="0"/>
+              <a:buChar char="•"/>
+            </a:pPr>
+            <a:r>
+              <a:rPr lang="zh-CN" altLang="en-US" dirty="0" smtClean="0"/>
+              <a:t>所有待查找元素的字符串资源等都以</a:t>
+            </a:r>
+            <a:r>
+              <a:rPr lang="en-US" altLang="zh-CN" dirty="0" err="1" smtClean="0"/>
+              <a:t>Resouce</a:t>
+            </a:r>
+            <a:r>
+              <a:rPr lang="zh-CN" altLang="en-US" dirty="0" smtClean="0"/>
+              <a:t> </a:t>
+            </a:r>
+            <a:r>
+              <a:rPr lang="en-US" altLang="zh-CN" dirty="0" smtClean="0"/>
+              <a:t>ID</a:t>
+            </a:r>
+            <a:r>
+              <a:rPr lang="zh-CN" altLang="en-US" dirty="0" smtClean="0"/>
+              <a:t>显示</a:t>
+            </a:r>
+          </a:p>
+          <a:p>
+            <a:pPr marL="342900" indent="-342900" algn="l">
+              <a:buFont typeface="Arial" charset="0"/>
+              <a:buChar char="•"/>
+            </a:pPr>
+            <a:endParaRPr lang="zh-CN" altLang="en-US" dirty="0" smtClean="0"/>
+          </a:p>
+        </p:txBody>
+      </p:sp>
+    </p:spTree>
+    <p:extLst>
+      <p:ext uri="{BB962C8B-B14F-4D97-AF65-F5344CB8AC3E}">
+        <p14:creationId xmlns:p14="http://schemas.microsoft.com/office/powerpoint/2010/main" val="839847552"/>
+      </p:ext>
+    </p:extLst>
+  </p:cSld>
+  <p:clrMapOvr>
+    <a:masterClrMapping/>
+  </p:clrMapOvr>
+  <p:timing>
+    <p:tnLst>
+      <p:par>
+        <p:cTn id="1" dur="indefinite" restart="never" nodeType="tmRoot"/>
+      </p:par>
+    </p:tnLst>
+  </p:timing>
+</p:sld>
+</file>
+
+<file path=ppt/slides/slide6.xml><?xml version="1.0" encoding="utf-8"?>
+<p:sld xmlns:a="http://schemas.openxmlformats.org/drawingml/2006/main" xmlns:r="http://schemas.openxmlformats.org/officeDocument/2006/relationships" xmlns:p="http://schemas.openxmlformats.org/presentationml/2006/main">
+  <p:cSld>
+    <p:spTree>
+      <p:nvGrpSpPr>
+        <p:cNvPr id="1" name=""/>
+        <p:cNvGrpSpPr/>
+        <p:nvPr/>
+      </p:nvGrpSpPr>
+      <p:grpSpPr>
+        <a:xfrm>
+          <a:off x="0" y="0"/>
+          <a:ext cx="0" cy="0"/>
+          <a:chOff x="0" y="0"/>
+          <a:chExt cx="0" cy="0"/>
+        </a:xfrm>
+      </p:grpSpPr>
+      <p:sp>
+        <p:nvSpPr>
+          <p:cNvPr id="2" name="Title 1"/>
+          <p:cNvSpPr>
+            <a:spLocks noGrp="1"/>
+          </p:cNvSpPr>
+          <p:nvPr>
+            <p:ph type="ctrTitle"/>
+          </p:nvPr>
+        </p:nvSpPr>
+        <p:spPr>
+          <a:xfrm>
+            <a:off x="1499723" y="279079"/>
+            <a:ext cx="8904514" cy="864734"/>
+          </a:xfrm>
+        </p:spPr>
+        <p:txBody>
+          <a:bodyPr>
+            <a:normAutofit fontScale="90000"/>
+          </a:bodyPr>
+          <a:lstStyle/>
+          <a:p>
+            <a:r>
+              <a:rPr lang="en-US" dirty="0" err="1"/>
+              <a:t>WeiXinMePage</a:t>
+            </a:r>
+            <a:endParaRPr lang="en-US" dirty="0"/>
+          </a:p>
+        </p:txBody>
+      </p:sp>
+      <p:pic>
+        <p:nvPicPr>
+          <p:cNvPr id="6" name="Picture 5"/>
+          <p:cNvPicPr>
+            <a:picLocks noChangeAspect="1"/>
+          </p:cNvPicPr>
+          <p:nvPr/>
+        </p:nvPicPr>
+        <p:blipFill>
+          <a:blip r:embed="rId2">
+            <a:extLst>
+              <a:ext uri="{28A0092B-C50C-407E-A947-70E740481C1C}">
+                <a14:useLocalDpi xmlns:a14="http://schemas.microsoft.com/office/drawing/2010/main" val="0"/>
+              </a:ext>
+            </a:extLst>
+          </a:blip>
+          <a:stretch>
+            <a:fillRect/>
+          </a:stretch>
+        </p:blipFill>
+        <p:spPr>
+          <a:xfrm>
+            <a:off x="125947" y="2065275"/>
+            <a:ext cx="2617253" cy="4481054"/>
+          </a:xfrm>
+          <a:prstGeom prst="rect">
+            <a:avLst/>
+          </a:prstGeom>
+        </p:spPr>
+      </p:pic>
+      <p:pic>
+        <p:nvPicPr>
+          <p:cNvPr id="9" name="Picture 8"/>
+          <p:cNvPicPr>
+            <a:picLocks noChangeAspect="1"/>
+          </p:cNvPicPr>
+          <p:nvPr/>
+        </p:nvPicPr>
+        <p:blipFill>
+          <a:blip r:embed="rId3">
+            <a:extLst>
+              <a:ext uri="{28A0092B-C50C-407E-A947-70E740481C1C}">
+                <a14:useLocalDpi xmlns:a14="http://schemas.microsoft.com/office/drawing/2010/main" val="0"/>
+              </a:ext>
+            </a:extLst>
+          </a:blip>
+          <a:stretch>
+            <a:fillRect/>
+          </a:stretch>
+        </p:blipFill>
+        <p:spPr>
+          <a:xfrm>
+            <a:off x="3342010" y="3310353"/>
+            <a:ext cx="8294337" cy="2345852"/>
+          </a:xfrm>
+          <a:prstGeom prst="rect">
+            <a:avLst/>
+          </a:prstGeom>
+        </p:spPr>
+      </p:pic>
+      <p:sp>
+        <p:nvSpPr>
+          <p:cNvPr id="10" name="TextBox 9"/>
+          <p:cNvSpPr txBox="1"/>
+          <p:nvPr/>
+        </p:nvSpPr>
+        <p:spPr>
+          <a:xfrm>
+            <a:off x="3342010" y="2065275"/>
+            <a:ext cx="6214684" cy="923330"/>
+          </a:xfrm>
+          <a:prstGeom prst="rect">
+            <a:avLst/>
+          </a:prstGeom>
+          <a:noFill/>
+        </p:spPr>
+        <p:txBody>
+          <a:bodyPr wrap="square" rtlCol="0">
+            <a:spAutoFit/>
+          </a:bodyPr>
+          <a:lstStyle/>
+          <a:p>
+            <a:r>
+              <a:rPr lang="en-US" b="1" dirty="0"/>
+              <a:t>ME_PAGE_MY_POST_TEXT: </a:t>
+            </a:r>
+            <a:r>
+              <a:rPr lang="en-US" dirty="0" smtClean="0"/>
+              <a:t>‘相册’</a:t>
+            </a:r>
+            <a:endParaRPr lang="zh-CN" altLang="en-US" dirty="0" smtClean="0"/>
+          </a:p>
+          <a:p>
+            <a:r>
+              <a:rPr lang="zh-CN" altLang="en-US" dirty="0"/>
+              <a:t>此页面</a:t>
+            </a:r>
+            <a:r>
+              <a:rPr lang="en-US" altLang="zh-CN" dirty="0"/>
+              <a:t>iOS</a:t>
+            </a:r>
+            <a:r>
+              <a:rPr lang="zh-CN" altLang="en-US" dirty="0"/>
+              <a:t>和</a:t>
+            </a:r>
+            <a:r>
+              <a:rPr lang="en-US" altLang="zh-CN" dirty="0"/>
+              <a:t>Android</a:t>
+            </a:r>
+            <a:r>
+              <a:rPr lang="zh-CN" altLang="en-US" dirty="0"/>
+              <a:t> </a:t>
+            </a:r>
+            <a:r>
+              <a:rPr lang="en-US" altLang="zh-CN" dirty="0"/>
+              <a:t>Resource</a:t>
+            </a:r>
+            <a:r>
+              <a:rPr lang="zh-CN" altLang="en-US" dirty="0"/>
+              <a:t> 内容一致</a:t>
+            </a:r>
+            <a:endParaRPr lang="en-US" dirty="0"/>
+          </a:p>
+          <a:p>
+            <a:endParaRPr lang="en-US" dirty="0"/>
+          </a:p>
+        </p:txBody>
+      </p:sp>
+    </p:spTree>
+    <p:extLst>
+      <p:ext uri="{BB962C8B-B14F-4D97-AF65-F5344CB8AC3E}">
+        <p14:creationId xmlns:p14="http://schemas.microsoft.com/office/powerpoint/2010/main" val="606036799"/>
+      </p:ext>
+    </p:extLst>
+  </p:cSld>
+  <p:clrMapOvr>
+    <a:masterClrMapping/>
+  </p:clrMapOvr>
+  <p:timing>
+    <p:tnLst>
+      <p:par>
+        <p:cTn id="1" dur="indefinite" restart="never" nodeType="tmRoot"/>
+      </p:par>
+    </p:tnLst>
+  </p:timing>
+</p:sld>
+</file>
+
+<file path=ppt/slides/slide7.xml><?xml version="1.0" encoding="utf-8"?>
+<p:sld xmlns:a="http://schemas.openxmlformats.org/drawingml/2006/main" xmlns:r="http://schemas.openxmlformats.org/officeDocument/2006/relationships" xmlns:p="http://schemas.openxmlformats.org/presentationml/2006/main">
+  <p:cSld>
+    <p:spTree>
+      <p:nvGrpSpPr>
+        <p:cNvPr id="1" name=""/>
+        <p:cNvGrpSpPr/>
+        <p:nvPr/>
+      </p:nvGrpSpPr>
+      <p:grpSpPr>
+        <a:xfrm>
+          <a:off x="0" y="0"/>
+          <a:ext cx="0" cy="0"/>
+          <a:chOff x="0" y="0"/>
+          <a:chExt cx="0" cy="0"/>
+        </a:xfrm>
+      </p:grpSpPr>
+      <p:sp>
+        <p:nvSpPr>
+          <p:cNvPr id="2" name="Title 1"/>
+          <p:cNvSpPr>
+            <a:spLocks noGrp="1"/>
+          </p:cNvSpPr>
+          <p:nvPr>
+            <p:ph type="ctrTitle"/>
+          </p:nvPr>
+        </p:nvSpPr>
+        <p:spPr>
+          <a:xfrm>
+            <a:off x="1611100" y="287172"/>
+            <a:ext cx="8904514" cy="864734"/>
+          </a:xfrm>
+        </p:spPr>
+        <p:txBody>
+          <a:bodyPr>
+            <a:normAutofit fontScale="90000"/>
+          </a:bodyPr>
+          <a:lstStyle/>
+          <a:p>
+            <a:r>
+              <a:rPr lang="en-US" dirty="0" err="1" smtClean="0"/>
+              <a:t>WeiXinMomentPage</a:t>
+            </a:r>
+            <a:r>
+              <a:rPr lang="en-US" altLang="zh-CN" dirty="0" smtClean="0"/>
+              <a:t>(</a:t>
+            </a:r>
+            <a:r>
+              <a:rPr lang="zh-CN" altLang="en-US" dirty="0" smtClean="0"/>
+              <a:t>安卓</a:t>
+            </a:r>
+            <a:r>
+              <a:rPr lang="en-US" altLang="zh-CN" dirty="0" smtClean="0"/>
+              <a:t>)</a:t>
+            </a:r>
+            <a:endParaRPr lang="en-US" dirty="0"/>
+          </a:p>
+        </p:txBody>
+      </p:sp>
+      <p:pic>
+        <p:nvPicPr>
+          <p:cNvPr id="7" name="Picture 6"/>
+          <p:cNvPicPr>
+            <a:picLocks noChangeAspect="1"/>
+          </p:cNvPicPr>
+          <p:nvPr/>
+        </p:nvPicPr>
+        <p:blipFill>
+          <a:blip r:embed="rId3">
+            <a:extLst>
+              <a:ext uri="{28A0092B-C50C-407E-A947-70E740481C1C}">
+                <a14:useLocalDpi xmlns:a14="http://schemas.microsoft.com/office/drawing/2010/main" val="0"/>
+              </a:ext>
+            </a:extLst>
+          </a:blip>
+          <a:stretch>
+            <a:fillRect/>
+          </a:stretch>
+        </p:blipFill>
+        <p:spPr>
+          <a:xfrm>
+            <a:off x="1405525" y="2572936"/>
+            <a:ext cx="2212181" cy="3842955"/>
+          </a:xfrm>
+          <a:prstGeom prst="rect">
+            <a:avLst/>
+          </a:prstGeom>
+        </p:spPr>
+      </p:pic>
+      <p:pic>
+        <p:nvPicPr>
+          <p:cNvPr id="9" name="Picture 8"/>
+          <p:cNvPicPr>
+            <a:picLocks noChangeAspect="1"/>
+          </p:cNvPicPr>
+          <p:nvPr/>
+        </p:nvPicPr>
+        <p:blipFill>
+          <a:blip r:embed="rId4">
+            <a:extLst>
+              <a:ext uri="{28A0092B-C50C-407E-A947-70E740481C1C}">
+                <a14:useLocalDpi xmlns:a14="http://schemas.microsoft.com/office/drawing/2010/main" val="0"/>
+              </a:ext>
+            </a:extLst>
+          </a:blip>
+          <a:stretch>
+            <a:fillRect/>
+          </a:stretch>
+        </p:blipFill>
+        <p:spPr>
+          <a:xfrm>
+            <a:off x="5373111" y="2266060"/>
+            <a:ext cx="6673232" cy="4456709"/>
+          </a:xfrm>
+          <a:prstGeom prst="rect">
+            <a:avLst/>
+          </a:prstGeom>
+        </p:spPr>
+      </p:pic>
+      <p:sp>
+        <p:nvSpPr>
+          <p:cNvPr id="10" name="TextBox 9"/>
+          <p:cNvSpPr txBox="1"/>
+          <p:nvPr/>
+        </p:nvSpPr>
+        <p:spPr>
+          <a:xfrm>
+            <a:off x="2436488" y="1176392"/>
+            <a:ext cx="8707031" cy="1200329"/>
+          </a:xfrm>
+          <a:prstGeom prst="rect">
+            <a:avLst/>
+          </a:prstGeom>
+          <a:noFill/>
+        </p:spPr>
+        <p:txBody>
+          <a:bodyPr wrap="square" rtlCol="0">
+            <a:spAutoFit/>
+          </a:bodyPr>
+          <a:lstStyle/>
+          <a:p>
+            <a:r>
+              <a:rPr lang="en-US" b="1" dirty="0"/>
+              <a:t>MOMENT_PAGE_ME_TEXT: </a:t>
+            </a:r>
+            <a:r>
+              <a:rPr lang="en-US" dirty="0"/>
+              <a:t>'</a:t>
+            </a:r>
+            <a:r>
+              <a:rPr lang="en-US" dirty="0" smtClean="0"/>
+              <a:t>我的相册’</a:t>
+            </a:r>
+            <a:r>
+              <a:rPr lang="en-US" dirty="0"/>
+              <a:t/>
+            </a:r>
+            <a:br>
+              <a:rPr lang="en-US" dirty="0"/>
+            </a:br>
+            <a:r>
+              <a:rPr lang="en-US" b="1" dirty="0"/>
+              <a:t>MY_POST_PAGE_MOMENT_PIC_ID: </a:t>
+            </a:r>
+            <a:r>
+              <a:rPr lang="en-US" dirty="0"/>
+              <a:t>'</a:t>
+            </a:r>
+            <a:r>
+              <a:rPr lang="en-US" dirty="0" err="1"/>
+              <a:t>com.tencent.mm:id</a:t>
+            </a:r>
+            <a:r>
+              <a:rPr lang="en-US" dirty="0"/>
+              <a:t>/</a:t>
+            </a:r>
+            <a:r>
+              <a:rPr lang="en-US" dirty="0" err="1"/>
+              <a:t>dep</a:t>
+            </a:r>
+            <a:r>
+              <a:rPr lang="en-US" dirty="0"/>
+              <a:t>'</a:t>
+            </a:r>
+            <a:br>
+              <a:rPr lang="en-US" dirty="0"/>
+            </a:br>
+            <a:r>
+              <a:rPr lang="en-US" b="1" dirty="0"/>
+              <a:t>MY_POST_PAGE_MOMENT_ARTICLE_ID: </a:t>
+            </a:r>
+            <a:r>
+              <a:rPr lang="en-US" dirty="0"/>
+              <a:t>'</a:t>
+            </a:r>
+            <a:r>
+              <a:rPr lang="en-US" dirty="0" err="1"/>
+              <a:t>com.tencent.mm:id</a:t>
+            </a:r>
+            <a:r>
+              <a:rPr lang="en-US" dirty="0"/>
+              <a:t>/</a:t>
+            </a:r>
+            <a:r>
+              <a:rPr lang="en-US" dirty="0" err="1"/>
+              <a:t>yk</a:t>
+            </a:r>
+            <a:r>
+              <a:rPr lang="en-US" dirty="0"/>
+              <a:t>'</a:t>
+            </a:r>
+            <a:br>
+              <a:rPr lang="en-US" dirty="0"/>
+            </a:br>
+            <a:endParaRPr lang="en-US" dirty="0"/>
+          </a:p>
+        </p:txBody>
+      </p:sp>
+    </p:spTree>
+    <p:extLst>
+      <p:ext uri="{BB962C8B-B14F-4D97-AF65-F5344CB8AC3E}">
+        <p14:creationId xmlns:p14="http://schemas.microsoft.com/office/powerpoint/2010/main" val="555157209"/>
+      </p:ext>
+    </p:extLst>
+  </p:cSld>
+  <p:clrMapOvr>
+    <a:masterClrMapping/>
+  </p:clrMapOvr>
+  <p:timing>
+    <p:tnLst>
+      <p:par>
+        <p:cTn id="1" dur="indefinite" restart="never" nodeType="tmRoot"/>
+      </p:par>
+    </p:tnLst>
+  </p:timing>
+</p:sld>
+</file>
+
+<file path=ppt/slides/slide8.xml><?xml version="1.0" encoding="utf-8"?>
+<p:sld xmlns:a="http://schemas.openxmlformats.org/drawingml/2006/main" xmlns:r="http://schemas.openxmlformats.org/officeDocument/2006/relationships" xmlns:p="http://schemas.openxmlformats.org/presentationml/2006/main">
+  <p:cSld>
+    <p:spTree>
+      <p:nvGrpSpPr>
+        <p:cNvPr id="1" name=""/>
+        <p:cNvGrpSpPr/>
+        <p:nvPr/>
+      </p:nvGrpSpPr>
+      <p:grpSpPr>
+        <a:xfrm>
+          <a:off x="0" y="0"/>
+          <a:ext cx="0" cy="0"/>
+          <a:chOff x="0" y="0"/>
+          <a:chExt cx="0" cy="0"/>
+        </a:xfrm>
+      </p:grpSpPr>
+      <p:sp>
+        <p:nvSpPr>
+          <p:cNvPr id="2" name="Title 1"/>
+          <p:cNvSpPr>
+            <a:spLocks noGrp="1"/>
+          </p:cNvSpPr>
+          <p:nvPr>
+            <p:ph type="ctrTitle"/>
+          </p:nvPr>
+        </p:nvSpPr>
+        <p:spPr>
+          <a:xfrm>
+            <a:off x="1611100" y="287172"/>
+            <a:ext cx="8904514" cy="864734"/>
+          </a:xfrm>
+        </p:spPr>
+        <p:txBody>
+          <a:bodyPr>
+            <a:normAutofit fontScale="90000"/>
+          </a:bodyPr>
+          <a:lstStyle/>
+          <a:p>
+            <a:r>
+              <a:rPr lang="en-US" dirty="0" err="1"/>
+              <a:t>WeiXinMomentPageiOS</a:t>
+            </a:r>
+            <a:endParaRPr lang="en-US" dirty="0"/>
+          </a:p>
+        </p:txBody>
+      </p:sp>
+      <p:sp>
+        <p:nvSpPr>
+          <p:cNvPr id="10" name="TextBox 9"/>
+          <p:cNvSpPr txBox="1"/>
+          <p:nvPr/>
+        </p:nvSpPr>
+        <p:spPr>
+          <a:xfrm>
+            <a:off x="3303119" y="1564600"/>
+            <a:ext cx="8707031" cy="1754326"/>
+          </a:xfrm>
+          <a:prstGeom prst="rect">
+            <a:avLst/>
+          </a:prstGeom>
+          <a:noFill/>
+        </p:spPr>
+        <p:txBody>
+          <a:bodyPr wrap="square" rtlCol="0">
+            <a:spAutoFit/>
+          </a:bodyPr>
+          <a:lstStyle/>
+          <a:p>
+            <a:r>
+              <a:rPr lang="zh-CN" altLang="en-US" b="1" dirty="0" smtClean="0">
+                <a:solidFill>
+                  <a:srgbClr val="FF0000"/>
+                </a:solidFill>
+              </a:rPr>
+              <a:t>继承自</a:t>
+            </a:r>
+            <a:r>
+              <a:rPr lang="en-US" altLang="zh-CN" b="1" dirty="0" err="1" smtClean="0">
+                <a:solidFill>
+                  <a:srgbClr val="FF0000"/>
+                </a:solidFill>
+              </a:rPr>
+              <a:t>WeiXinMomentPage</a:t>
+            </a:r>
+            <a:endParaRPr lang="zh-CN" altLang="en-US" b="1" dirty="0" smtClean="0">
+              <a:solidFill>
+                <a:srgbClr val="FF0000"/>
+              </a:solidFill>
+            </a:endParaRPr>
+          </a:p>
+          <a:p>
+            <a:endParaRPr lang="zh-CN" altLang="en-US" b="1" dirty="0" smtClean="0">
+              <a:solidFill>
+                <a:srgbClr val="FF0000"/>
+              </a:solidFill>
+            </a:endParaRPr>
+          </a:p>
+          <a:p>
+            <a:r>
+              <a:rPr lang="en-US" b="1" dirty="0" smtClean="0"/>
+              <a:t>MOMENT_PAGE_ME_TEXT</a:t>
+            </a:r>
+            <a:r>
+              <a:rPr lang="en-US" b="1" dirty="0"/>
+              <a:t>: </a:t>
+            </a:r>
+            <a:r>
+              <a:rPr lang="en-US" dirty="0" smtClean="0"/>
+              <a:t>’我’</a:t>
+            </a:r>
+            <a:r>
+              <a:rPr lang="zh-CN" altLang="en-US" dirty="0" smtClean="0"/>
+              <a:t> </a:t>
+            </a:r>
+            <a:r>
+              <a:rPr lang="en-US" altLang="zh-CN" dirty="0" smtClean="0"/>
+              <a:t>(</a:t>
+            </a:r>
+            <a:r>
+              <a:rPr lang="zh-CN" altLang="en-US" dirty="0" smtClean="0"/>
+              <a:t>此处</a:t>
+            </a:r>
+            <a:r>
+              <a:rPr lang="en-US" altLang="zh-CN" dirty="0" smtClean="0"/>
+              <a:t>Android</a:t>
+            </a:r>
+            <a:r>
+              <a:rPr lang="zh-CN" altLang="en-US" dirty="0" smtClean="0"/>
+              <a:t>为</a:t>
+            </a:r>
+            <a:r>
+              <a:rPr lang="en-US" altLang="zh-CN" dirty="0" smtClean="0"/>
+              <a:t>“</a:t>
+            </a:r>
+            <a:r>
+              <a:rPr lang="zh-CN" altLang="en-US" dirty="0" smtClean="0"/>
+              <a:t>我的相册</a:t>
+            </a:r>
+            <a:r>
+              <a:rPr lang="en-US" altLang="zh-CN" dirty="0" smtClean="0"/>
+              <a:t>”</a:t>
+            </a:r>
+            <a:r>
+              <a:rPr lang="en-US" altLang="zh-CN" dirty="0" smtClean="0"/>
+              <a:t>)</a:t>
+            </a:r>
+            <a:r>
+              <a:rPr lang="en-US" dirty="0"/>
+              <a:t/>
+            </a:r>
+            <a:br>
+              <a:rPr lang="en-US" dirty="0"/>
+            </a:br>
+            <a:r>
+              <a:rPr lang="en-US" b="1" dirty="0"/>
+              <a:t>MY_POST_PAGE_MOMENT_PIC_ID: </a:t>
+            </a:r>
+            <a:r>
+              <a:rPr lang="en-US" dirty="0" smtClean="0"/>
+              <a:t>‘visible </a:t>
+            </a:r>
+            <a:r>
+              <a:rPr lang="en-US" dirty="0"/>
+              <a:t>== true AND type == </a:t>
+            </a:r>
+            <a:r>
+              <a:rPr lang="en-US" dirty="0" smtClean="0"/>
+              <a:t>“</a:t>
+            </a:r>
+            <a:r>
+              <a:rPr lang="en-US" dirty="0" err="1" smtClean="0"/>
+              <a:t>XCUIElementTypeStaticText</a:t>
+            </a:r>
+            <a:r>
+              <a:rPr lang="en-US" dirty="0" smtClean="0"/>
+              <a:t>” </a:t>
+            </a:r>
+            <a:r>
+              <a:rPr lang="en-US" dirty="0"/>
+              <a:t>AND name CONTAINS </a:t>
+            </a:r>
+            <a:r>
+              <a:rPr lang="en-US" dirty="0" smtClean="0"/>
+              <a:t>“月”’</a:t>
+            </a:r>
+            <a:r>
+              <a:rPr lang="en-US" dirty="0"/>
+              <a:t/>
+            </a:r>
+            <a:br>
+              <a:rPr lang="en-US" dirty="0"/>
+            </a:br>
+            <a:r>
+              <a:rPr lang="en-US" altLang="zh-CN" dirty="0" smtClean="0"/>
+              <a:t>(</a:t>
+            </a:r>
+            <a:r>
+              <a:rPr lang="zh-CN" altLang="en-US" dirty="0" smtClean="0"/>
+              <a:t>第一个带有“月”字的元素，其</a:t>
+            </a:r>
+            <a:r>
+              <a:rPr lang="en-US" altLang="zh-CN" dirty="0" smtClean="0"/>
+              <a:t>X</a:t>
+            </a:r>
+            <a:r>
+              <a:rPr lang="zh-CN" altLang="en-US" dirty="0" smtClean="0"/>
+              <a:t>坐标</a:t>
+            </a:r>
+            <a:r>
+              <a:rPr lang="en-US" altLang="zh-CN" dirty="0" smtClean="0"/>
+              <a:t>+50</a:t>
+            </a:r>
+            <a:r>
+              <a:rPr lang="zh-CN" altLang="en-US" dirty="0" smtClean="0"/>
+              <a:t> 即为所需点击的位置</a:t>
+            </a:r>
+            <a:r>
+              <a:rPr lang="en-US" altLang="zh-CN" dirty="0" smtClean="0"/>
+              <a:t>)</a:t>
+            </a:r>
+            <a:endParaRPr lang="en-US" dirty="0"/>
+          </a:p>
+        </p:txBody>
+      </p:sp>
+      <p:pic>
+        <p:nvPicPr>
+          <p:cNvPr id="4" name="Picture 3"/>
+          <p:cNvPicPr>
+            <a:picLocks noChangeAspect="1"/>
+          </p:cNvPicPr>
+          <p:nvPr/>
+        </p:nvPicPr>
+        <p:blipFill>
+          <a:blip r:embed="rId3">
+            <a:extLst>
+              <a:ext uri="{28A0092B-C50C-407E-A947-70E740481C1C}">
+                <a14:useLocalDpi xmlns:a14="http://schemas.microsoft.com/office/drawing/2010/main" val="0"/>
+              </a:ext>
+            </a:extLst>
+          </a:blip>
+          <a:stretch>
+            <a:fillRect/>
+          </a:stretch>
+        </p:blipFill>
+        <p:spPr>
+          <a:xfrm>
+            <a:off x="3422930" y="3714243"/>
+            <a:ext cx="8186443" cy="2651791"/>
+          </a:xfrm>
+          <a:prstGeom prst="rect">
+            <a:avLst/>
+          </a:prstGeom>
+        </p:spPr>
+      </p:pic>
+      <p:pic>
+        <p:nvPicPr>
+          <p:cNvPr id="5" name="Picture 4"/>
+          <p:cNvPicPr>
+            <a:picLocks noChangeAspect="1"/>
+          </p:cNvPicPr>
+          <p:nvPr/>
+        </p:nvPicPr>
+        <p:blipFill>
+          <a:blip r:embed="rId4">
+            <a:extLst>
+              <a:ext uri="{28A0092B-C50C-407E-A947-70E740481C1C}">
+                <a14:useLocalDpi xmlns:a14="http://schemas.microsoft.com/office/drawing/2010/main" val="0"/>
+              </a:ext>
+            </a:extLst>
+          </a:blip>
+          <a:stretch>
+            <a:fillRect/>
+          </a:stretch>
+        </p:blipFill>
+        <p:spPr>
+          <a:xfrm>
+            <a:off x="238714" y="1502152"/>
+            <a:ext cx="2789713" cy="4793452"/>
+          </a:xfrm>
+          <a:prstGeom prst="rect">
+            <a:avLst/>
+          </a:prstGeom>
+        </p:spPr>
+      </p:pic>
+    </p:spTree>
+    <p:extLst>
+      <p:ext uri="{BB962C8B-B14F-4D97-AF65-F5344CB8AC3E}">
+        <p14:creationId xmlns:p14="http://schemas.microsoft.com/office/powerpoint/2010/main" val="1955508253"/>
+      </p:ext>
+    </p:extLst>
+  </p:cSld>
+  <p:clrMapOvr>
+    <a:masterClrMapping/>
+  </p:clrMapOvr>
+  <p:timing>
+    <p:tnLst>
+      <p:par>
+        <p:cTn id="1" dur="indefinite" restart="never" nodeType="tmRoot"/>
+      </p:par>
+    </p:tnLst>
+  </p:timing>
+</p:sld>
+</file>
+
+<file path=ppt/slides/slide9.xml><?xml version="1.0" encoding="utf-8"?>
+<p:sld xmlns:a="http://schemas.openxmlformats.org/drawingml/2006/main" xmlns:r="http://schemas.openxmlformats.org/officeDocument/2006/relationships" xmlns:p="http://schemas.openxmlformats.org/presentationml/2006/main">
+  <p:cSld>
+    <p:spTree>
+      <p:nvGrpSpPr>
+        <p:cNvPr id="1" name=""/>
+        <p:cNvGrpSpPr/>
+        <p:nvPr/>
+      </p:nvGrpSpPr>
+      <p:grpSpPr>
+        <a:xfrm>
+          <a:off x="0" y="0"/>
+          <a:ext cx="0" cy="0"/>
+          <a:chOff x="0" y="0"/>
+          <a:chExt cx="0" cy="0"/>
+        </a:xfrm>
+      </p:grpSpPr>
+      <p:sp>
+        <p:nvSpPr>
+          <p:cNvPr id="2" name="Title 1"/>
+          <p:cNvSpPr>
+            <a:spLocks noGrp="1"/>
+          </p:cNvSpPr>
+          <p:nvPr>
+            <p:ph type="ctrTitle"/>
+          </p:nvPr>
+        </p:nvSpPr>
+        <p:spPr>
+          <a:xfrm>
+            <a:off x="1524000" y="1055915"/>
+            <a:ext cx="8904514" cy="864734"/>
+          </a:xfrm>
+        </p:spPr>
+        <p:txBody>
+          <a:bodyPr>
+            <a:normAutofit fontScale="90000"/>
+          </a:bodyPr>
+          <a:lstStyle/>
+          <a:p>
+            <a:r>
+              <a:rPr lang="en-US" dirty="0" err="1"/>
+              <a:t>WeiXinMomentDetailedPage</a:t>
+            </a:r>
+            <a:endParaRPr lang="en-US" dirty="0"/>
+          </a:p>
+        </p:txBody>
+      </p:sp>
+      <p:pic>
+        <p:nvPicPr>
+          <p:cNvPr id="8" name="Picture 7"/>
+          <p:cNvPicPr>
+            <a:picLocks noChangeAspect="1"/>
+          </p:cNvPicPr>
+          <p:nvPr/>
+        </p:nvPicPr>
+        <p:blipFill>
+          <a:blip r:embed="rId2">
+            <a:extLst>
+              <a:ext uri="{28A0092B-C50C-407E-A947-70E740481C1C}">
+                <a14:useLocalDpi xmlns:a14="http://schemas.microsoft.com/office/drawing/2010/main" val="0"/>
+              </a:ext>
+            </a:extLst>
+          </a:blip>
+          <a:stretch>
+            <a:fillRect/>
+          </a:stretch>
+        </p:blipFill>
+        <p:spPr>
+          <a:xfrm>
+            <a:off x="79405" y="2203175"/>
+            <a:ext cx="2623335" cy="4546661"/>
+          </a:xfrm>
+          <a:prstGeom prst="rect">
+            <a:avLst/>
+          </a:prstGeom>
+        </p:spPr>
+      </p:pic>
+      <p:sp>
+        <p:nvSpPr>
+          <p:cNvPr id="10" name="TextBox 9"/>
+          <p:cNvSpPr txBox="1"/>
+          <p:nvPr/>
+        </p:nvSpPr>
+        <p:spPr>
+          <a:xfrm>
+            <a:off x="3479575" y="2203175"/>
+            <a:ext cx="7169544" cy="1477328"/>
+          </a:xfrm>
+          <a:prstGeom prst="rect">
+            <a:avLst/>
+          </a:prstGeom>
+          <a:noFill/>
+        </p:spPr>
+        <p:txBody>
+          <a:bodyPr wrap="square" rtlCol="0">
+            <a:spAutoFit/>
+          </a:bodyPr>
+          <a:lstStyle/>
+          <a:p>
+            <a:r>
+              <a:rPr lang="en-US" b="1" dirty="0"/>
+              <a:t>MOMENT_DETAILED_PAGE_PRAISE_TEXT: </a:t>
+            </a:r>
+            <a:r>
+              <a:rPr lang="en-US" dirty="0" smtClean="0"/>
+              <a:t>‘赞’</a:t>
+            </a:r>
+            <a:endParaRPr lang="zh-CN" altLang="en-US" dirty="0" smtClean="0"/>
+          </a:p>
+          <a:p>
+            <a:endParaRPr lang="zh-CN" altLang="en-US" dirty="0"/>
+          </a:p>
+          <a:p>
+            <a:r>
+              <a:rPr lang="zh-CN" altLang="en-US" dirty="0"/>
+              <a:t>此页面</a:t>
+            </a:r>
+            <a:r>
+              <a:rPr lang="en-US" altLang="zh-CN" dirty="0"/>
+              <a:t>iOS</a:t>
+            </a:r>
+            <a:r>
+              <a:rPr lang="zh-CN" altLang="en-US" dirty="0"/>
+              <a:t>和</a:t>
+            </a:r>
+            <a:r>
+              <a:rPr lang="en-US" altLang="zh-CN" dirty="0"/>
+              <a:t>Android</a:t>
+            </a:r>
+            <a:r>
+              <a:rPr lang="zh-CN" altLang="en-US" dirty="0"/>
+              <a:t> </a:t>
+            </a:r>
+            <a:r>
+              <a:rPr lang="en-US" altLang="zh-CN" dirty="0"/>
+              <a:t>Resource</a:t>
+            </a:r>
+            <a:r>
+              <a:rPr lang="zh-CN" altLang="en-US" dirty="0"/>
+              <a:t> 内容</a:t>
+            </a:r>
+            <a:r>
+              <a:rPr lang="zh-CN" altLang="en-US" dirty="0" smtClean="0"/>
+              <a:t>一致</a:t>
+            </a:r>
+          </a:p>
+          <a:p>
+            <a:endParaRPr lang="zh-CN" altLang="en-US" dirty="0"/>
+          </a:p>
+          <a:p>
+            <a:endParaRPr lang="en-US" dirty="0"/>
+          </a:p>
+        </p:txBody>
+      </p:sp>
+      <p:pic>
+        <p:nvPicPr>
+          <p:cNvPr id="11" name="Picture 10"/>
+          <p:cNvPicPr>
+            <a:picLocks noChangeAspect="1"/>
+          </p:cNvPicPr>
+          <p:nvPr/>
+        </p:nvPicPr>
+        <p:blipFill>
+          <a:blip r:embed="rId3">
+            <a:extLst>
+              <a:ext uri="{28A0092B-C50C-407E-A947-70E740481C1C}">
+                <a14:useLocalDpi xmlns:a14="http://schemas.microsoft.com/office/drawing/2010/main" val="0"/>
+              </a:ext>
+            </a:extLst>
+          </a:blip>
+          <a:stretch>
+            <a:fillRect/>
+          </a:stretch>
+        </p:blipFill>
+        <p:spPr>
+          <a:xfrm>
+            <a:off x="3200625" y="4476505"/>
+            <a:ext cx="7975600" cy="2159000"/>
+          </a:xfrm>
+          <a:prstGeom prst="rect">
+            <a:avLst/>
+          </a:prstGeom>
+        </p:spPr>
+      </p:pic>
+    </p:spTree>
+    <p:extLst>
+      <p:ext uri="{BB962C8B-B14F-4D97-AF65-F5344CB8AC3E}">
+        <p14:creationId xmlns:p14="http://schemas.microsoft.com/office/powerpoint/2010/main" val="1975869775"/>
       </p:ext>
     </p:extLst>
   </p:cSld>
@@ -3742,4 +5916,265 @@
     </a:ext>
   </a:extLst>
 </a:theme>
+</file>
+
+<file path=ppt/theme/theme2.xml><?xml version="1.0" encoding="utf-8"?>
+<a:theme xmlns:a="http://schemas.openxmlformats.org/drawingml/2006/main" name="Office Theme">
+  <a:themeElements>
+    <a:clrScheme name="Office">
+      <a:dk1>
+        <a:sysClr val="windowText" lastClr="000000"/>
+      </a:dk1>
+      <a:lt1>
+        <a:sysClr val="window" lastClr="FFFFFF"/>
+      </a:lt1>
+      <a:dk2>
+        <a:srgbClr val="44546A"/>
+      </a:dk2>
+      <a:lt2>
+        <a:srgbClr val="E7E6E6"/>
+      </a:lt2>
+      <a:accent1>
+        <a:srgbClr val="5B9BD5"/>
+      </a:accent1>
+      <a:accent2>
+        <a:srgbClr val="ED7D31"/>
+      </a:accent2>
+      <a:accent3>
+        <a:srgbClr val="A5A5A5"/>
+      </a:accent3>
+      <a:accent4>
+        <a:srgbClr val="FFC000"/>
+      </a:accent4>
+      <a:accent5>
+        <a:srgbClr val="4472C4"/>
+      </a:accent5>
+      <a:accent6>
+        <a:srgbClr val="70AD47"/>
+      </a:accent6>
+      <a:hlink>
+        <a:srgbClr val="0563C1"/>
+      </a:hlink>
+      <a:folHlink>
+        <a:srgbClr val="954F72"/>
+      </a:folHlink>
+    </a:clrScheme>
+    <a:fontScheme name="Office">
+      <a:majorFont>
+        <a:latin typeface="Calibri Light" panose="020F0302020204030204"/>
+        <a:ea typeface=""/>
+        <a:cs typeface=""/>
+        <a:font script="Jpan" typeface="ＭＳ Ｐゴシック"/>
+        <a:font script="Hang" typeface="맑은 고딕"/>
+        <a:font script="Hans" typeface="宋体"/>
+        <a:font script="Hant" typeface="新細明體"/>
+        <a:font script="Arab" typeface="Times New Roman"/>
+        <a:font script="Hebr" typeface="Times New Roman"/>
+        <a:font script="Thai" typeface="Angsana New"/>
+        <a:font script="Ethi" typeface="Nyala"/>
+        <a:font script="Beng" typeface="Vrinda"/>
+        <a:font script="Gujr" typeface="Shruti"/>
+        <a:font script="Khmr" typeface="MoolBoran"/>
+        <a:font script="Knda" typeface="Tunga"/>
+        <a:font script="Guru" typeface="Raavi"/>
+        <a:font script="Cans" typeface="Euphemia"/>
+        <a:font script="Cher" typeface="Plantagenet Cherokee"/>
+        <a:font script="Yiii" typeface="Microsoft Yi Baiti"/>
+        <a:font script="Tibt" typeface="Microsoft Himalaya"/>
+        <a:font script="Thaa" typeface="MV Boli"/>
+        <a:font script="Deva" typeface="Mangal"/>
+        <a:font script="Telu" typeface="Gautami"/>
+        <a:font script="Taml" typeface="Latha"/>
+        <a:font script="Syrc" typeface="Estrangelo Edessa"/>
+        <a:font script="Orya" typeface="Kalinga"/>
+        <a:font script="Mlym" typeface="Kartika"/>
+        <a:font script="Laoo" typeface="DokChampa"/>
+        <a:font script="Sinh" typeface="Iskoola Pota"/>
+        <a:font script="Mong" typeface="Mongolian Baiti"/>
+        <a:font script="Viet" typeface="Times New Roman"/>
+        <a:font script="Uigh" typeface="Microsoft Uighur"/>
+        <a:font script="Geor" typeface="Sylfaen"/>
+      </a:majorFont>
+      <a:minorFont>
+        <a:latin typeface="Calibri" panose="020F0502020204030204"/>
+        <a:ea typeface=""/>
+        <a:cs typeface=""/>
+        <a:font script="Jpan" typeface="ＭＳ Ｐゴシック"/>
+        <a:font script="Hang" typeface="맑은 고딕"/>
+        <a:font script="Hans" typeface="宋体"/>
+        <a:font script="Hant" typeface="新細明體"/>
+        <a:font script="Arab" typeface="Arial"/>
+        <a:font script="Hebr" typeface="Arial"/>
+        <a:font script="Thai" typeface="Cordia New"/>
+        <a:font script="Ethi" typeface="Nyala"/>
+        <a:font script="Beng" typeface="Vrinda"/>
+        <a:font script="Gujr" typeface="Shruti"/>
+        <a:font script="Khmr" typeface="DaunPenh"/>
+        <a:font script="Knda" typeface="Tunga"/>
+        <a:font script="Guru" typeface="Raavi"/>
+        <a:font script="Cans" typeface="Euphemia"/>
+        <a:font script="Cher" typeface="Plantagenet Cherokee"/>
+        <a:font script="Yiii" typeface="Microsoft Yi Baiti"/>
+        <a:font script="Tibt" typeface="Microsoft Himalaya"/>
+        <a:font script="Thaa" typeface="MV Boli"/>
+        <a:font script="Deva" typeface="Mangal"/>
+        <a:font script="Telu" typeface="Gautami"/>
+        <a:font script="Taml" typeface="Latha"/>
+        <a:font script="Syrc" typeface="Estrangelo Edessa"/>
+        <a:font script="Orya" typeface="Kalinga"/>
+        <a:font script="Mlym" typeface="Kartika"/>
+        <a:font script="Laoo" typeface="DokChampa"/>
+        <a:font script="Sinh" typeface="Iskoola Pota"/>
+        <a:font script="Mong" typeface="Mongolian Baiti"/>
+        <a:font script="Viet" typeface="Arial"/>
+        <a:font script="Uigh" typeface="Microsoft Uighur"/>
+        <a:font script="Geor" typeface="Sylfaen"/>
+      </a:minorFont>
+    </a:fontScheme>
+    <a:fmtScheme name="Office">
+      <a:fillStyleLst>
+        <a:solidFill>
+          <a:schemeClr val="phClr"/>
+        </a:solidFill>
+        <a:gradFill rotWithShape="1">
+          <a:gsLst>
+            <a:gs pos="0">
+              <a:schemeClr val="phClr">
+                <a:lumMod val="110000"/>
+                <a:satMod val="105000"/>
+                <a:tint val="67000"/>
+              </a:schemeClr>
+            </a:gs>
+            <a:gs pos="50000">
+              <a:schemeClr val="phClr">
+                <a:lumMod val="105000"/>
+                <a:satMod val="103000"/>
+                <a:tint val="73000"/>
+              </a:schemeClr>
+            </a:gs>
+            <a:gs pos="100000">
+              <a:schemeClr val="phClr">
+                <a:lumMod val="105000"/>
+                <a:satMod val="109000"/>
+                <a:tint val="81000"/>
+              </a:schemeClr>
+            </a:gs>
+          </a:gsLst>
+          <a:lin ang="5400000" scaled="0"/>
+        </a:gradFill>
+        <a:gradFill rotWithShape="1">
+          <a:gsLst>
+            <a:gs pos="0">
+              <a:schemeClr val="phClr">
+                <a:satMod val="103000"/>
+                <a:lumMod val="102000"/>
+                <a:tint val="94000"/>
+              </a:schemeClr>
+            </a:gs>
+            <a:gs pos="50000">
+              <a:schemeClr val="phClr">
+                <a:satMod val="110000"/>
+                <a:lumMod val="100000"/>
+                <a:shade val="100000"/>
+              </a:schemeClr>
+            </a:gs>
+            <a:gs pos="100000">
+              <a:schemeClr val="phClr">
+                <a:lumMod val="99000"/>
+                <a:satMod val="120000"/>
+                <a:shade val="78000"/>
+              </a:schemeClr>
+            </a:gs>
+          </a:gsLst>
+          <a:lin ang="5400000" scaled="0"/>
+        </a:gradFill>
+      </a:fillStyleLst>
+      <a:lnStyleLst>
+        <a:ln w="6350" cap="flat" cmpd="sng" algn="ctr">
+          <a:solidFill>
+            <a:schemeClr val="phClr"/>
+          </a:solidFill>
+          <a:prstDash val="solid"/>
+          <a:miter lim="800000"/>
+        </a:ln>
+        <a:ln w="12700" cap="flat" cmpd="sng" algn="ctr">
+          <a:solidFill>
+            <a:schemeClr val="phClr"/>
+          </a:solidFill>
+          <a:prstDash val="solid"/>
+          <a:miter lim="800000"/>
+        </a:ln>
+        <a:ln w="19050" cap="flat" cmpd="sng" algn="ctr">
+          <a:solidFill>
+            <a:schemeClr val="phClr"/>
+          </a:solidFill>
+          <a:prstDash val="solid"/>
+          <a:miter lim="800000"/>
+        </a:ln>
+      </a:lnStyleLst>
+      <a:effectStyleLst>
+        <a:effectStyle>
+          <a:effectLst/>
+        </a:effectStyle>
+        <a:effectStyle>
+          <a:effectLst/>
+        </a:effectStyle>
+        <a:effectStyle>
+          <a:effectLst>
+            <a:outerShdw blurRad="57150" dist="19050" dir="5400000" algn="ctr" rotWithShape="0">
+              <a:srgbClr val="000000">
+                <a:alpha val="63000"/>
+              </a:srgbClr>
+            </a:outerShdw>
+          </a:effectLst>
+        </a:effectStyle>
+      </a:effectStyleLst>
+      <a:bgFillStyleLst>
+        <a:solidFill>
+          <a:schemeClr val="phClr"/>
+        </a:solidFill>
+        <a:solidFill>
+          <a:schemeClr val="phClr">
+            <a:tint val="95000"/>
+            <a:satMod val="170000"/>
+          </a:schemeClr>
+        </a:solidFill>
+        <a:gradFill rotWithShape="1">
+          <a:gsLst>
+            <a:gs pos="0">
+              <a:schemeClr val="phClr">
+                <a:tint val="93000"/>
+                <a:satMod val="150000"/>
+                <a:shade val="98000"/>
+                <a:lumMod val="102000"/>
+              </a:schemeClr>
+            </a:gs>
+            <a:gs pos="50000">
+              <a:schemeClr val="phClr">
+                <a:tint val="98000"/>
+                <a:satMod val="130000"/>
+                <a:shade val="90000"/>
+                <a:lumMod val="103000"/>
+              </a:schemeClr>
+            </a:gs>
+            <a:gs pos="100000">
+              <a:schemeClr val="phClr">
+                <a:shade val="63000"/>
+                <a:satMod val="120000"/>
+              </a:schemeClr>
+            </a:gs>
+          </a:gsLst>
+          <a:lin ang="5400000" scaled="0"/>
+        </a:gradFill>
+      </a:bgFillStyleLst>
+    </a:fmtScheme>
+  </a:themeElements>
+  <a:objectDefaults/>
+  <a:extraClrSchemeLst/>
+  <a:extLst>
+    <a:ext uri="{05A4C25C-085E-4340-85A3-A5531E510DB2}">
+      <thm15:themeFamily xmlns:thm15="http://schemas.microsoft.com/office/thememl/2012/main" name="Office Theme" id="{62F939B6-93AF-4DB8-9C6B-D6C7DFDC589F}" vid="{4A3C46E8-61CC-4603-A589-7422A47A8E4A}"/>
+    </a:ext>
+  </a:extLst>
+</a:theme>
 </file>
--- a/doc/Introduction about the example.pptx
+++ b/doc/Introduction about the example.pptx
@@ -5,7 +5,7 @@
     <p:sldMasterId id="2147483648" r:id="rId1"/>
   </p:sldMasterIdLst>
   <p:notesMasterIdLst>
-    <p:notesMasterId r:id="rId12"/>
+    <p:notesMasterId r:id="rId14"/>
   </p:notesMasterIdLst>
   <p:sldIdLst>
     <p:sldId id="256" r:id="rId2"/>
@@ -18,6 +18,8 @@
     <p:sldId id="263" r:id="rId9"/>
     <p:sldId id="264" r:id="rId10"/>
     <p:sldId id="266" r:id="rId11"/>
+    <p:sldId id="267" r:id="rId12"/>
+    <p:sldId id="268" r:id="rId13"/>
   </p:sldIdLst>
   <p:sldSz cx="12192000" cy="6858000"/>
   <p:notesSz cx="6858000" cy="9144000"/>
@@ -3814,6 +3816,188 @@
 </p:sld>
 </file>
 
+<file path=ppt/slides/slide11.xml><?xml version="1.0" encoding="utf-8"?>
+<p:sld xmlns:a="http://schemas.openxmlformats.org/drawingml/2006/main" xmlns:r="http://schemas.openxmlformats.org/officeDocument/2006/relationships" xmlns:p="http://schemas.openxmlformats.org/presentationml/2006/main">
+  <p:cSld>
+    <p:spTree>
+      <p:nvGrpSpPr>
+        <p:cNvPr id="1" name=""/>
+        <p:cNvGrpSpPr/>
+        <p:nvPr/>
+      </p:nvGrpSpPr>
+      <p:grpSpPr>
+        <a:xfrm>
+          <a:off x="0" y="0"/>
+          <a:ext cx="0" cy="0"/>
+          <a:chOff x="0" y="0"/>
+          <a:chExt cx="0" cy="0"/>
+        </a:xfrm>
+      </p:grpSpPr>
+      <p:sp>
+        <p:nvSpPr>
+          <p:cNvPr id="2" name="Title 1"/>
+          <p:cNvSpPr>
+            <a:spLocks noGrp="1"/>
+          </p:cNvSpPr>
+          <p:nvPr>
+            <p:ph type="title"/>
+          </p:nvPr>
+        </p:nvSpPr>
+        <p:spPr/>
+        <p:txBody>
+          <a:bodyPr/>
+          <a:lstStyle/>
+          <a:p>
+            <a:pPr algn="ctr"/>
+            <a:r>
+              <a:rPr lang="en-US" altLang="zh-CN" dirty="0" smtClean="0"/>
+              <a:t>Android</a:t>
+            </a:r>
+            <a:r>
+              <a:rPr lang="zh-CN" altLang="en-US" dirty="0" smtClean="0"/>
+              <a:t> </a:t>
+            </a:r>
+            <a:r>
+              <a:rPr lang="en-US" altLang="zh-CN" dirty="0" smtClean="0"/>
+              <a:t>Device</a:t>
+            </a:r>
+            <a:endParaRPr lang="en-US" dirty="0"/>
+          </a:p>
+        </p:txBody>
+      </p:sp>
+      <p:pic>
+        <p:nvPicPr>
+          <p:cNvPr id="4" name="Content Placeholder 3"/>
+          <p:cNvPicPr>
+            <a:picLocks noGrp="1" noChangeAspect="1"/>
+          </p:cNvPicPr>
+          <p:nvPr>
+            <p:ph idx="1"/>
+          </p:nvPr>
+        </p:nvPicPr>
+        <p:blipFill>
+          <a:blip r:embed="rId2">
+            <a:extLst>
+              <a:ext uri="{28A0092B-C50C-407E-A947-70E740481C1C}">
+                <a14:useLocalDpi xmlns:a14="http://schemas.microsoft.com/office/drawing/2010/main" val="0"/>
+              </a:ext>
+            </a:extLst>
+          </a:blip>
+          <a:stretch>
+            <a:fillRect/>
+          </a:stretch>
+        </p:blipFill>
+        <p:spPr>
+          <a:xfrm>
+            <a:off x="2667000" y="1918494"/>
+            <a:ext cx="6858000" cy="4165600"/>
+          </a:xfrm>
+        </p:spPr>
+      </p:pic>
+    </p:spTree>
+    <p:extLst>
+      <p:ext uri="{BB962C8B-B14F-4D97-AF65-F5344CB8AC3E}">
+        <p14:creationId xmlns:p14="http://schemas.microsoft.com/office/powerpoint/2010/main" val="1383365257"/>
+      </p:ext>
+    </p:extLst>
+  </p:cSld>
+  <p:clrMapOvr>
+    <a:masterClrMapping/>
+  </p:clrMapOvr>
+</p:sld>
+</file>
+
+<file path=ppt/slides/slide12.xml><?xml version="1.0" encoding="utf-8"?>
+<p:sld xmlns:a="http://schemas.openxmlformats.org/drawingml/2006/main" xmlns:r="http://schemas.openxmlformats.org/officeDocument/2006/relationships" xmlns:p="http://schemas.openxmlformats.org/presentationml/2006/main">
+  <p:cSld>
+    <p:spTree>
+      <p:nvGrpSpPr>
+        <p:cNvPr id="1" name=""/>
+        <p:cNvGrpSpPr/>
+        <p:nvPr/>
+      </p:nvGrpSpPr>
+      <p:grpSpPr>
+        <a:xfrm>
+          <a:off x="0" y="0"/>
+          <a:ext cx="0" cy="0"/>
+          <a:chOff x="0" y="0"/>
+          <a:chExt cx="0" cy="0"/>
+        </a:xfrm>
+      </p:grpSpPr>
+      <p:sp>
+        <p:nvSpPr>
+          <p:cNvPr id="2" name="Title 1"/>
+          <p:cNvSpPr>
+            <a:spLocks noGrp="1"/>
+          </p:cNvSpPr>
+          <p:nvPr>
+            <p:ph type="title"/>
+          </p:nvPr>
+        </p:nvSpPr>
+        <p:spPr/>
+        <p:txBody>
+          <a:bodyPr/>
+          <a:lstStyle/>
+          <a:p>
+            <a:pPr algn="ctr"/>
+            <a:r>
+              <a:rPr lang="en-US" altLang="zh-CN" dirty="0" smtClean="0"/>
+              <a:t>iOS</a:t>
+            </a:r>
+            <a:r>
+              <a:rPr lang="zh-CN" altLang="en-US" dirty="0" smtClean="0"/>
+              <a:t>  </a:t>
+            </a:r>
+            <a:r>
+              <a:rPr lang="en-US" altLang="zh-CN" dirty="0" smtClean="0"/>
+              <a:t>Device</a:t>
+            </a:r>
+            <a:endParaRPr lang="en-US" dirty="0"/>
+          </a:p>
+        </p:txBody>
+      </p:sp>
+      <p:pic>
+        <p:nvPicPr>
+          <p:cNvPr id="5" name="Content Placeholder 4"/>
+          <p:cNvPicPr>
+            <a:picLocks noGrp="1" noChangeAspect="1"/>
+          </p:cNvPicPr>
+          <p:nvPr>
+            <p:ph idx="1"/>
+          </p:nvPr>
+        </p:nvPicPr>
+        <p:blipFill>
+          <a:blip r:embed="rId2">
+            <a:extLst>
+              <a:ext uri="{28A0092B-C50C-407E-A947-70E740481C1C}">
+                <a14:useLocalDpi xmlns:a14="http://schemas.microsoft.com/office/drawing/2010/main" val="0"/>
+              </a:ext>
+            </a:extLst>
+          </a:blip>
+          <a:stretch>
+            <a:fillRect/>
+          </a:stretch>
+        </p:blipFill>
+        <p:spPr>
+          <a:xfrm>
+            <a:off x="2408055" y="1949633"/>
+            <a:ext cx="8661400" cy="4191000"/>
+          </a:xfrm>
+        </p:spPr>
+      </p:pic>
+    </p:spTree>
+    <p:extLst>
+      <p:ext uri="{BB962C8B-B14F-4D97-AF65-F5344CB8AC3E}">
+        <p14:creationId xmlns:p14="http://schemas.microsoft.com/office/powerpoint/2010/main" val="2040150541"/>
+      </p:ext>
+    </p:extLst>
+  </p:cSld>
+  <p:clrMapOvr>
+    <a:masterClrMapping/>
+  </p:clrMapOvr>
+</p:sld>
+</file>
+
 <file path=ppt/slides/slide2.xml><?xml version="1.0" encoding="utf-8"?>
 <p:sld xmlns:a="http://schemas.openxmlformats.org/drawingml/2006/main" xmlns:r="http://schemas.openxmlformats.org/officeDocument/2006/relationships" xmlns:p="http://schemas.openxmlformats.org/presentationml/2006/main">
   <p:cSld>
@@ -5289,11 +5473,7 @@
             </a:r>
             <a:r>
               <a:rPr lang="en-US" altLang="zh-CN" dirty="0" smtClean="0"/>
-              <a:t>”</a:t>
-            </a:r>
-            <a:r>
-              <a:rPr lang="en-US" altLang="zh-CN" dirty="0" smtClean="0"/>
-              <a:t>)</a:t>
+              <a:t>”)</a:t>
             </a:r>
             <a:r>
               <a:rPr lang="en-US" dirty="0"/>

--- a/doc/Introduction about the example.pptx
+++ b/doc/Introduction about the example.pptx
@@ -208,7 +208,7 @@
           <a:p>
             <a:fld id="{E4F2E360-E77E-2D4D-BEF8-7A331A32D95C}" type="datetimeFigureOut">
               <a:rPr lang="en-US" smtClean="0"/>
-              <a:t>8/10/18</a:t>
+              <a:t>8/13/18</a:t>
             </a:fld>
             <a:endParaRPr lang="en-US"/>
           </a:p>
@@ -541,7 +541,7 @@
           <a:p>
             <a:fld id="{1B4E22D3-EF41-C84D-BA64-3D40A5177A88}" type="slidenum">
               <a:rPr lang="en-US" smtClean="0"/>
-              <a:t>4</a:t>
+              <a:t>2</a:t>
             </a:fld>
             <a:endParaRPr lang="en-US"/>
           </a:p>
@@ -550,7 +550,7 @@
     </p:spTree>
     <p:extLst>
       <p:ext uri="{BB962C8B-B14F-4D97-AF65-F5344CB8AC3E}">
-        <p14:creationId xmlns:p14="http://schemas.microsoft.com/office/powerpoint/2010/main" val="2057927268"/>
+        <p14:creationId xmlns:p14="http://schemas.microsoft.com/office/powerpoint/2010/main" val="1070899686"/>
       </p:ext>
     </p:extLst>
   </p:cSld>
@@ -625,6 +625,90 @@
           <a:p>
             <a:fld id="{1B4E22D3-EF41-C84D-BA64-3D40A5177A88}" type="slidenum">
               <a:rPr lang="en-US" smtClean="0"/>
+              <a:t>4</a:t>
+            </a:fld>
+            <a:endParaRPr lang="en-US"/>
+          </a:p>
+        </p:txBody>
+      </p:sp>
+    </p:spTree>
+    <p:extLst>
+      <p:ext uri="{BB962C8B-B14F-4D97-AF65-F5344CB8AC3E}">
+        <p14:creationId xmlns:p14="http://schemas.microsoft.com/office/powerpoint/2010/main" val="2057927268"/>
+      </p:ext>
+    </p:extLst>
+  </p:cSld>
+  <p:clrMapOvr>
+    <a:masterClrMapping/>
+  </p:clrMapOvr>
+</p:notes>
+</file>
+
+<file path=ppt/notesSlides/notesSlide3.xml><?xml version="1.0" encoding="utf-8"?>
+<p:notes xmlns:a="http://schemas.openxmlformats.org/drawingml/2006/main" xmlns:r="http://schemas.openxmlformats.org/officeDocument/2006/relationships" xmlns:p="http://schemas.openxmlformats.org/presentationml/2006/main">
+  <p:cSld>
+    <p:spTree>
+      <p:nvGrpSpPr>
+        <p:cNvPr id="1" name=""/>
+        <p:cNvGrpSpPr/>
+        <p:nvPr/>
+      </p:nvGrpSpPr>
+      <p:grpSpPr>
+        <a:xfrm>
+          <a:off x="0" y="0"/>
+          <a:ext cx="0" cy="0"/>
+          <a:chOff x="0" y="0"/>
+          <a:chExt cx="0" cy="0"/>
+        </a:xfrm>
+      </p:grpSpPr>
+      <p:sp>
+        <p:nvSpPr>
+          <p:cNvPr id="2" name="Slide Image Placeholder 1"/>
+          <p:cNvSpPr>
+            <a:spLocks noGrp="1" noRot="1" noChangeAspect="1"/>
+          </p:cNvSpPr>
+          <p:nvPr>
+            <p:ph type="sldImg"/>
+          </p:nvPr>
+        </p:nvSpPr>
+        <p:spPr/>
+      </p:sp>
+      <p:sp>
+        <p:nvSpPr>
+          <p:cNvPr id="3" name="Notes Placeholder 2"/>
+          <p:cNvSpPr>
+            <a:spLocks noGrp="1"/>
+          </p:cNvSpPr>
+          <p:nvPr>
+            <p:ph type="body" idx="1"/>
+          </p:nvPr>
+        </p:nvSpPr>
+        <p:spPr/>
+        <p:txBody>
+          <a:bodyPr/>
+          <a:lstStyle/>
+          <a:p>
+            <a:endParaRPr lang="en-US" dirty="0"/>
+          </a:p>
+        </p:txBody>
+      </p:sp>
+      <p:sp>
+        <p:nvSpPr>
+          <p:cNvPr id="4" name="Slide Number Placeholder 3"/>
+          <p:cNvSpPr>
+            <a:spLocks noGrp="1"/>
+          </p:cNvSpPr>
+          <p:nvPr>
+            <p:ph type="sldNum" sz="quarter" idx="10"/>
+          </p:nvPr>
+        </p:nvSpPr>
+        <p:spPr/>
+        <p:txBody>
+          <a:bodyPr/>
+          <a:lstStyle/>
+          <a:p>
+            <a:fld id="{1B4E22D3-EF41-C84D-BA64-3D40A5177A88}" type="slidenum">
+              <a:rPr lang="en-US" smtClean="0"/>
               <a:t>7</a:t>
             </a:fld>
             <a:endParaRPr lang="en-US"/>
@@ -644,7 +728,7 @@
 </p:notes>
 </file>
 
-<file path=ppt/notesSlides/notesSlide3.xml><?xml version="1.0" encoding="utf-8"?>
+<file path=ppt/notesSlides/notesSlide4.xml><?xml version="1.0" encoding="utf-8"?>
 <p:notes xmlns:a="http://schemas.openxmlformats.org/drawingml/2006/main" xmlns:r="http://schemas.openxmlformats.org/officeDocument/2006/relationships" xmlns:p="http://schemas.openxmlformats.org/presentationml/2006/main">
   <p:cSld>
     <p:spTree>
@@ -859,7 +943,7 @@
           <a:p>
             <a:fld id="{A0ED488F-2A15-9E45-85AE-3D27A09830A3}" type="datetimeFigureOut">
               <a:rPr lang="en-US" smtClean="0"/>
-              <a:t>8/10/18</a:t>
+              <a:t>8/13/18</a:t>
             </a:fld>
             <a:endParaRPr lang="en-US"/>
           </a:p>
@@ -1029,7 +1113,7 @@
           <a:p>
             <a:fld id="{A0ED488F-2A15-9E45-85AE-3D27A09830A3}" type="datetimeFigureOut">
               <a:rPr lang="en-US" smtClean="0"/>
-              <a:t>8/10/18</a:t>
+              <a:t>8/13/18</a:t>
             </a:fld>
             <a:endParaRPr lang="en-US"/>
           </a:p>
@@ -1209,7 +1293,7 @@
           <a:p>
             <a:fld id="{A0ED488F-2A15-9E45-85AE-3D27A09830A3}" type="datetimeFigureOut">
               <a:rPr lang="en-US" smtClean="0"/>
-              <a:t>8/10/18</a:t>
+              <a:t>8/13/18</a:t>
             </a:fld>
             <a:endParaRPr lang="en-US"/>
           </a:p>
@@ -1379,7 +1463,7 @@
           <a:p>
             <a:fld id="{A0ED488F-2A15-9E45-85AE-3D27A09830A3}" type="datetimeFigureOut">
               <a:rPr lang="en-US" smtClean="0"/>
-              <a:t>8/10/18</a:t>
+              <a:t>8/13/18</a:t>
             </a:fld>
             <a:endParaRPr lang="en-US"/>
           </a:p>
@@ -1625,7 +1709,7 @@
           <a:p>
             <a:fld id="{A0ED488F-2A15-9E45-85AE-3D27A09830A3}" type="datetimeFigureOut">
               <a:rPr lang="en-US" smtClean="0"/>
-              <a:t>8/10/18</a:t>
+              <a:t>8/13/18</a:t>
             </a:fld>
             <a:endParaRPr lang="en-US"/>
           </a:p>
@@ -1857,7 +1941,7 @@
           <a:p>
             <a:fld id="{A0ED488F-2A15-9E45-85AE-3D27A09830A3}" type="datetimeFigureOut">
               <a:rPr lang="en-US" smtClean="0"/>
-              <a:t>8/10/18</a:t>
+              <a:t>8/13/18</a:t>
             </a:fld>
             <a:endParaRPr lang="en-US"/>
           </a:p>
@@ -2224,7 +2308,7 @@
           <a:p>
             <a:fld id="{A0ED488F-2A15-9E45-85AE-3D27A09830A3}" type="datetimeFigureOut">
               <a:rPr lang="en-US" smtClean="0"/>
-              <a:t>8/10/18</a:t>
+              <a:t>8/13/18</a:t>
             </a:fld>
             <a:endParaRPr lang="en-US"/>
           </a:p>
@@ -2342,7 +2426,7 @@
           <a:p>
             <a:fld id="{A0ED488F-2A15-9E45-85AE-3D27A09830A3}" type="datetimeFigureOut">
               <a:rPr lang="en-US" smtClean="0"/>
-              <a:t>8/10/18</a:t>
+              <a:t>8/13/18</a:t>
             </a:fld>
             <a:endParaRPr lang="en-US"/>
           </a:p>
@@ -2437,7 +2521,7 @@
           <a:p>
             <a:fld id="{A0ED488F-2A15-9E45-85AE-3D27A09830A3}" type="datetimeFigureOut">
               <a:rPr lang="en-US" smtClean="0"/>
-              <a:t>8/10/18</a:t>
+              <a:t>8/13/18</a:t>
             </a:fld>
             <a:endParaRPr lang="en-US"/>
           </a:p>
@@ -2714,7 +2798,7 @@
           <a:p>
             <a:fld id="{A0ED488F-2A15-9E45-85AE-3D27A09830A3}" type="datetimeFigureOut">
               <a:rPr lang="en-US" smtClean="0"/>
-              <a:t>8/10/18</a:t>
+              <a:t>8/13/18</a:t>
             </a:fld>
             <a:endParaRPr lang="en-US"/>
           </a:p>
@@ -2967,7 +3051,7 @@
           <a:p>
             <a:fld id="{A0ED488F-2A15-9E45-85AE-3D27A09830A3}" type="datetimeFigureOut">
               <a:rPr lang="en-US" smtClean="0"/>
-              <a:t>8/10/18</a:t>
+              <a:t>8/13/18</a:t>
             </a:fld>
             <a:endParaRPr lang="en-US"/>
           </a:p>
@@ -3180,7 +3264,7 @@
           <a:p>
             <a:fld id="{A0ED488F-2A15-9E45-85AE-3D27A09830A3}" type="datetimeFigureOut">
               <a:rPr lang="en-US" smtClean="0"/>
-              <a:t>8/10/18</a:t>
+              <a:t>8/13/18</a:t>
             </a:fld>
             <a:endParaRPr lang="en-US"/>
           </a:p>
@@ -4061,7 +4145,7 @@
         </p:nvSpPr>
         <p:spPr>
           <a:xfrm>
-            <a:off x="1600200" y="2698523"/>
+            <a:off x="1524000" y="2382933"/>
             <a:ext cx="9144000" cy="1655762"/>
           </a:xfrm>
         </p:spPr>
@@ -4087,8 +4171,13 @@
             </a:pPr>
             <a:r>
               <a:rPr lang="zh-CN" altLang="en-US" dirty="0" smtClean="0"/>
-              <a:t>点击“我”</a:t>
-            </a:r>
+              <a:t>点击“我</a:t>
+            </a:r>
+            <a:r>
+              <a:rPr lang="zh-CN" altLang="en-US" dirty="0" smtClean="0"/>
+              <a:t>”</a:t>
+            </a:r>
+            <a:endParaRPr lang="zh-CN" altLang="en-US" dirty="0" smtClean="0"/>
           </a:p>
           <a:p>
             <a:pPr marL="342900" indent="-342900" algn="l">
@@ -4097,8 +4186,17 @@
             </a:pPr>
             <a:r>
               <a:rPr lang="zh-CN" altLang="en-US" dirty="0" smtClean="0"/>
-              <a:t>点击“相册”</a:t>
-            </a:r>
+              <a:t>点击“相册</a:t>
+            </a:r>
+            <a:r>
+              <a:rPr lang="zh-CN" altLang="en-US" dirty="0" smtClean="0"/>
+              <a:t>”</a:t>
+            </a:r>
+            <a:r>
+              <a:rPr lang="zh-CN" altLang="en-US" dirty="0" smtClean="0"/>
+              <a:t>进入我发的朋友圈</a:t>
+            </a:r>
+            <a:endParaRPr lang="zh-CN" altLang="en-US" dirty="0" smtClean="0"/>
           </a:p>
           <a:p>
             <a:pPr marL="342900" indent="-342900" algn="l">
@@ -4107,11 +4205,140 @@
             </a:pPr>
             <a:r>
               <a:rPr lang="zh-CN" altLang="en-US" dirty="0" smtClean="0"/>
-              <a:t>打开第一个带图片的朋友圈</a:t>
-            </a:r>
-          </a:p>
-        </p:txBody>
-      </p:sp>
+              <a:t>打开一</a:t>
+            </a:r>
+            <a:r>
+              <a:rPr lang="zh-CN" altLang="en-US" dirty="0" smtClean="0"/>
+              <a:t>个</a:t>
+            </a:r>
+            <a:r>
+              <a:rPr lang="zh-CN" altLang="en-US" dirty="0" smtClean="0"/>
+              <a:t>朋友圈</a:t>
+            </a:r>
+            <a:endParaRPr lang="zh-CN" altLang="en-US" dirty="0" smtClean="0"/>
+          </a:p>
+        </p:txBody>
+      </p:sp>
+      <p:pic>
+        <p:nvPicPr>
+          <p:cNvPr id="4" name="Picture 3"/>
+          <p:cNvPicPr>
+            <a:picLocks noChangeAspect="1"/>
+          </p:cNvPicPr>
+          <p:nvPr/>
+        </p:nvPicPr>
+        <p:blipFill>
+          <a:blip r:embed="rId3">
+            <a:extLst>
+              <a:ext uri="{28A0092B-C50C-407E-A947-70E740481C1C}">
+                <a14:useLocalDpi xmlns:a14="http://schemas.microsoft.com/office/drawing/2010/main" val="0"/>
+              </a:ext>
+            </a:extLst>
+          </a:blip>
+          <a:stretch>
+            <a:fillRect/>
+          </a:stretch>
+        </p:blipFill>
+        <p:spPr>
+          <a:xfrm>
+            <a:off x="1600200" y="4354285"/>
+            <a:ext cx="1455180" cy="2355292"/>
+          </a:xfrm>
+          <a:prstGeom prst="rect">
+            <a:avLst/>
+          </a:prstGeom>
+        </p:spPr>
+      </p:pic>
+      <p:pic>
+        <p:nvPicPr>
+          <p:cNvPr id="5" name="Picture 4"/>
+          <p:cNvPicPr>
+            <a:picLocks noChangeAspect="1"/>
+          </p:cNvPicPr>
+          <p:nvPr/>
+        </p:nvPicPr>
+        <p:blipFill>
+          <a:blip r:embed="rId4">
+            <a:extLst>
+              <a:ext uri="{28A0092B-C50C-407E-A947-70E740481C1C}">
+                <a14:useLocalDpi xmlns:a14="http://schemas.microsoft.com/office/drawing/2010/main" val="0"/>
+              </a:ext>
+            </a:extLst>
+          </a:blip>
+          <a:stretch>
+            <a:fillRect/>
+          </a:stretch>
+        </p:blipFill>
+        <p:spPr>
+          <a:xfrm>
+            <a:off x="4390450" y="4354285"/>
+            <a:ext cx="1426138" cy="2441721"/>
+          </a:xfrm>
+          <a:prstGeom prst="rect">
+            <a:avLst/>
+          </a:prstGeom>
+        </p:spPr>
+      </p:pic>
+      <p:pic>
+        <p:nvPicPr>
+          <p:cNvPr id="6" name="Picture 5"/>
+          <p:cNvPicPr>
+            <a:picLocks noChangeAspect="1"/>
+          </p:cNvPicPr>
+          <p:nvPr/>
+        </p:nvPicPr>
+        <p:blipFill>
+          <a:blip r:embed="rId5">
+            <a:extLst>
+              <a:ext uri="{28A0092B-C50C-407E-A947-70E740481C1C}">
+                <a14:useLocalDpi xmlns:a14="http://schemas.microsoft.com/office/drawing/2010/main" val="0"/>
+              </a:ext>
+            </a:extLst>
+          </a:blip>
+          <a:stretch>
+            <a:fillRect/>
+          </a:stretch>
+        </p:blipFill>
+        <p:spPr>
+          <a:xfrm>
+            <a:off x="7231225" y="4354285"/>
+            <a:ext cx="1441253" cy="2503715"/>
+          </a:xfrm>
+          <a:prstGeom prst="rect">
+            <a:avLst/>
+          </a:prstGeom>
+        </p:spPr>
+      </p:pic>
+      <p:pic>
+        <p:nvPicPr>
+          <p:cNvPr id="7" name="Picture 6"/>
+          <p:cNvPicPr>
+            <a:picLocks noChangeAspect="1"/>
+          </p:cNvPicPr>
+          <p:nvPr/>
+        </p:nvPicPr>
+        <p:blipFill>
+          <a:blip r:embed="rId6">
+            <a:extLst>
+              <a:ext uri="{28A0092B-C50C-407E-A947-70E740481C1C}">
+                <a14:useLocalDpi xmlns:a14="http://schemas.microsoft.com/office/drawing/2010/main" val="0"/>
+              </a:ext>
+            </a:extLst>
+          </a:blip>
+          <a:stretch>
+            <a:fillRect/>
+          </a:stretch>
+        </p:blipFill>
+        <p:spPr>
+          <a:xfrm>
+            <a:off x="10006923" y="4323288"/>
+            <a:ext cx="1444595" cy="2503715"/>
+          </a:xfrm>
+          <a:prstGeom prst="rect">
+            <a:avLst/>
+          </a:prstGeom>
+        </p:spPr>
+      </p:pic>
     </p:spTree>
     <p:extLst>
       <p:ext uri="{BB962C8B-B14F-4D97-AF65-F5344CB8AC3E}">
